--- a/信号.pptx
+++ b/信号.pptx
@@ -5,10 +5,10 @@
     <p:sldMasterId id="2147483648" r:id="rId1"/>
   </p:sldMasterIdLst>
   <p:notesMasterIdLst>
-    <p:notesMasterId r:id="rId25"/>
+    <p:notesMasterId r:id="rId29"/>
   </p:notesMasterIdLst>
   <p:handoutMasterIdLst>
-    <p:handoutMasterId r:id="rId26"/>
+    <p:handoutMasterId r:id="rId30"/>
   </p:handoutMasterIdLst>
   <p:sldIdLst>
     <p:sldId id="256" r:id="rId3"/>
@@ -33,6 +33,10 @@
     <p:sldId id="279" r:id="rId22"/>
     <p:sldId id="280" r:id="rId23"/>
     <p:sldId id="281" r:id="rId24"/>
+    <p:sldId id="282" r:id="rId25"/>
+    <p:sldId id="283" r:id="rId26"/>
+    <p:sldId id="284" r:id="rId27"/>
+    <p:sldId id="285" r:id="rId28"/>
   </p:sldIdLst>
   <p:sldSz cx="12192000" cy="6858000"/>
   <p:notesSz cx="7103745" cy="10234295"/>
@@ -12169,7 +12173,7 @@
               <a:t>_sig</a:t>
             </a:r>
             <a:r>
-              <a:rPr lang="" altLang="en-US" b="1">
+              <a:rPr lang="en-US" altLang="en-US" b="1">
                 <a:effectLst>
                   <a:outerShdw blurRad="38100" dist="38100" dir="2700000" algn="tl">
                     <a:srgbClr val="000000">
@@ -12180,7 +12184,7 @@
               </a:rPr>
               <a:t>suspend</a:t>
             </a:r>
-            <a:endParaRPr lang="" altLang="en-US" b="1">
+            <a:endParaRPr lang="en-US" altLang="en-US" b="1">
               <a:effectLst>
                 <a:outerShdw blurRad="38100" dist="38100" dir="2700000" algn="tl">
                   <a:srgbClr val="000000">
@@ -12214,40 +12218,40 @@
           </a:bodyPr>
           <a:p>
             <a:r>
-              <a:rPr lang="" altLang="en-US" sz="1400" u="sng">
+              <a:rPr lang="en-US" altLang="en-US" sz="1400" u="sng">
                 <a:latin typeface="Courier New" panose="02070309020205020404" charset="0"/>
                 <a:cs typeface="Courier New" panose="02070309020205020404" charset="0"/>
               </a:rPr>
               <a:t>int sigsuspend(const sigset_t *sigmask)</a:t>
             </a:r>
-            <a:endParaRPr lang="" altLang="en-US" sz="1400" u="sng">
+            <a:endParaRPr lang="en-US" altLang="en-US" sz="1400" u="sng">
               <a:latin typeface="Courier New" panose="02070309020205020404" charset="0"/>
               <a:cs typeface="Courier New" panose="02070309020205020404" charset="0"/>
             </a:endParaRPr>
           </a:p>
           <a:p>
-            <a:endParaRPr lang="" altLang="zh-CN" sz="1400" u="sng">
+            <a:endParaRPr lang="en-US" altLang="zh-CN" sz="1400" u="sng">
               <a:latin typeface="Courier New" panose="02070309020205020404" charset="0"/>
               <a:cs typeface="Courier New" panose="02070309020205020404" charset="0"/>
             </a:endParaRPr>
           </a:p>
           <a:p>
             <a:r>
-              <a:rPr lang="en-US" altLang="" sz="1400" u="sng">
+              <a:rPr lang="en-US" altLang="en-US" sz="1400" u="sng">
                 <a:latin typeface="Courier New" panose="02070309020205020404" charset="0"/>
                 <a:cs typeface="Courier New" panose="02070309020205020404" charset="0"/>
               </a:rPr>
               <a:t>	</a:t>
             </a:r>
             <a:r>
-              <a:rPr lang="" altLang="zh-CN" sz="1400" u="sng">
+              <a:rPr lang="en-US" altLang="zh-CN" sz="1400" u="sng">
                 <a:latin typeface="Courier New" panose="02070309020205020404" charset="0"/>
                 <a:cs typeface="Courier New" panose="02070309020205020404" charset="0"/>
               </a:rPr>
               <a:t>//</a:t>
             </a:r>
             <a:r>
-              <a:rPr lang="zh-CN" altLang="" sz="1400" u="sng">
+              <a:rPr lang="zh-CN" altLang="en-US" sz="1400" u="sng">
                 <a:latin typeface="Courier New" panose="02070309020205020404" charset="0"/>
                 <a:cs typeface="Courier New" panose="02070309020205020404" charset="0"/>
               </a:rPr>
@@ -12296,33 +12300,33 @@
               <a:t>设置位</a:t>
             </a:r>
             <a:r>
-              <a:rPr lang="" altLang="zh-CN" sz="1400" u="sng">
+              <a:rPr lang="en-US" altLang="zh-CN" sz="1400" u="sng">
                 <a:latin typeface="Courier New" panose="02070309020205020404" charset="0"/>
                 <a:cs typeface="Courier New" panose="02070309020205020404" charset="0"/>
               </a:rPr>
               <a:t>EINTR</a:t>
             </a:r>
-            <a:endParaRPr lang="" altLang="zh-CN" sz="1400" u="sng">
+            <a:endParaRPr lang="en-US" altLang="zh-CN" sz="1400" u="sng">
               <a:latin typeface="Courier New" panose="02070309020205020404" charset="0"/>
               <a:cs typeface="Courier New" panose="02070309020205020404" charset="0"/>
             </a:endParaRPr>
           </a:p>
           <a:p>
-            <a:endParaRPr lang="" altLang="zh-CN" sz="1400" u="sng">
+            <a:endParaRPr lang="en-US" altLang="zh-CN" sz="1400" u="sng">
               <a:latin typeface="Courier New" panose="02070309020205020404" charset="0"/>
               <a:cs typeface="Courier New" panose="02070309020205020404" charset="0"/>
             </a:endParaRPr>
           </a:p>
           <a:p>
             <a:r>
-              <a:rPr lang="" altLang="zh-CN" sz="1400" u="sng">
+              <a:rPr lang="en-US" altLang="zh-CN" sz="1400" u="sng">
                 <a:latin typeface="Courier New" panose="02070309020205020404" charset="0"/>
                 <a:cs typeface="Courier New" panose="02070309020205020404" charset="0"/>
               </a:rPr>
               <a:t>	</a:t>
             </a:r>
             <a:r>
-              <a:rPr lang="zh-CN" altLang="" sz="1400" u="sng">
+              <a:rPr lang="zh-CN" altLang="en-US" sz="1400" u="sng">
                 <a:solidFill>
                   <a:srgbClr val="FF0000"/>
                 </a:solidFill>
@@ -12514,7 +12518,7 @@
               <a:t>_</a:t>
             </a:r>
             <a:r>
-              <a:rPr lang="" altLang="en-US" b="1">
+              <a:rPr lang="en-US" altLang="en-US" b="1">
                 <a:effectLst>
                   <a:outerShdw blurRad="38100" dist="38100" dir="2700000" algn="tl">
                     <a:srgbClr val="000000">
@@ -12525,7 +12529,7 @@
               </a:rPr>
               <a:t>abort</a:t>
             </a:r>
-            <a:endParaRPr lang="" altLang="en-US" b="1">
+            <a:endParaRPr lang="en-US" altLang="en-US" b="1">
               <a:effectLst>
                 <a:outerShdw blurRad="38100" dist="38100" dir="2700000" algn="tl">
                   <a:srgbClr val="000000">
@@ -12563,55 +12567,14 @@
                 <a:latin typeface="Courier New" panose="02070309020205020404" charset="0"/>
                 <a:cs typeface="Courier New" panose="02070309020205020404" charset="0"/>
               </a:rPr>
-              <a:t>void</a:t>
-            </a:r>
-            <a:r>
-              <a:rPr lang="" altLang="en-US" sz="1400" u="sng">
-                <a:latin typeface="Courier New" panose="02070309020205020404" charset="0"/>
-                <a:cs typeface="Courier New" panose="02070309020205020404" charset="0"/>
-              </a:rPr>
-              <a:t> abort(void);</a:t>
-            </a:r>
-            <a:endParaRPr lang="" altLang="en-US" sz="1400" u="sng">
+              <a:t>void abort(void);</a:t>
+            </a:r>
+            <a:endParaRPr lang="en-US" altLang="en-US" sz="1400" u="sng">
               <a:latin typeface="Courier New" panose="02070309020205020404" charset="0"/>
               <a:cs typeface="Courier New" panose="02070309020205020404" charset="0"/>
             </a:endParaRPr>
           </a:p>
           <a:p>
-            <a:endParaRPr lang="zh-CN" altLang="" sz="1400" u="sng">
-              <a:latin typeface="Courier New" panose="02070309020205020404" charset="0"/>
-              <a:cs typeface="Courier New" panose="02070309020205020404" charset="0"/>
-            </a:endParaRPr>
-          </a:p>
-          <a:p>
-            <a:r>
-              <a:rPr lang="" altLang="zh-CN" sz="1400" u="sng">
-                <a:latin typeface="Courier New" panose="02070309020205020404" charset="0"/>
-                <a:cs typeface="Courier New" panose="02070309020205020404" charset="0"/>
-              </a:rPr>
-              <a:t>//</a:t>
-            </a:r>
-            <a:r>
-              <a:rPr lang="zh-CN" altLang="" sz="1400" u="sng">
-                <a:latin typeface="Courier New" panose="02070309020205020404" charset="0"/>
-                <a:cs typeface="Courier New" panose="02070309020205020404" charset="0"/>
-              </a:rPr>
-              <a:t>将</a:t>
-            </a:r>
-            <a:r>
-              <a:rPr lang="en-US" altLang="zh-CN" sz="1400" u="sng">
-                <a:latin typeface="Courier New" panose="02070309020205020404" charset="0"/>
-                <a:cs typeface="Courier New" panose="02070309020205020404" charset="0"/>
-              </a:rPr>
-              <a:t>SIGABRT</a:t>
-            </a:r>
-            <a:r>
-              <a:rPr lang="zh-CN" altLang="en-US" sz="1400" u="sng">
-                <a:latin typeface="Courier New" panose="02070309020205020404" charset="0"/>
-                <a:cs typeface="Courier New" panose="02070309020205020404" charset="0"/>
-              </a:rPr>
-              <a:t>解除阻塞，并且给调用进程发送一个</a:t>
-            </a:r>
             <a:endParaRPr lang="zh-CN" altLang="en-US" sz="1400" u="sng">
               <a:latin typeface="Courier New" panose="02070309020205020404" charset="0"/>
               <a:cs typeface="Courier New" panose="02070309020205020404" charset="0"/>
@@ -12619,7 +12582,41 @@
           </a:p>
           <a:p>
             <a:r>
-              <a:rPr lang="" altLang="en-US" sz="1400" u="sng">
+              <a:rPr lang="en-US" altLang="zh-CN" sz="1400" u="sng">
+                <a:latin typeface="Courier New" panose="02070309020205020404" charset="0"/>
+                <a:cs typeface="Courier New" panose="02070309020205020404" charset="0"/>
+              </a:rPr>
+              <a:t>//</a:t>
+            </a:r>
+            <a:r>
+              <a:rPr lang="zh-CN" altLang="en-US" sz="1400" u="sng">
+                <a:latin typeface="Courier New" panose="02070309020205020404" charset="0"/>
+                <a:cs typeface="Courier New" panose="02070309020205020404" charset="0"/>
+              </a:rPr>
+              <a:t>将</a:t>
+            </a:r>
+            <a:r>
+              <a:rPr lang="en-US" altLang="zh-CN" sz="1400" u="sng">
+                <a:latin typeface="Courier New" panose="02070309020205020404" charset="0"/>
+                <a:cs typeface="Courier New" panose="02070309020205020404" charset="0"/>
+              </a:rPr>
+              <a:t>SIGABRT</a:t>
+            </a:r>
+            <a:r>
+              <a:rPr lang="zh-CN" altLang="en-US" sz="1400" u="sng">
+                <a:latin typeface="Courier New" panose="02070309020205020404" charset="0"/>
+                <a:cs typeface="Courier New" panose="02070309020205020404" charset="0"/>
+              </a:rPr>
+              <a:t>解除阻塞，并且给调用进程发送一个</a:t>
+            </a:r>
+            <a:endParaRPr lang="zh-CN" altLang="en-US" sz="1400" u="sng">
+              <a:latin typeface="Courier New" panose="02070309020205020404" charset="0"/>
+              <a:cs typeface="Courier New" panose="02070309020205020404" charset="0"/>
+            </a:endParaRPr>
+          </a:p>
+          <a:p>
+            <a:r>
+              <a:rPr lang="en-US" altLang="en-US" sz="1400" u="sng">
                 <a:latin typeface="Courier New" panose="02070309020205020404" charset="0"/>
                 <a:cs typeface="Courier New" panose="02070309020205020404" charset="0"/>
               </a:rPr>
@@ -12724,7 +12721,7 @@
           </a:bodyPr>
           <a:p>
             <a:r>
-              <a:rPr lang="" altLang="en-US" b="1">
+              <a:rPr lang="en-US" altLang="en-US" b="1">
                 <a:effectLst>
                   <a:outerShdw blurRad="38100" dist="38100" dir="2700000" algn="tl">
                     <a:srgbClr val="000000">
@@ -12736,7 +12733,7 @@
               <a:t>system</a:t>
             </a:r>
             <a:r>
-              <a:rPr lang="zh-CN" altLang="" b="1">
+              <a:rPr lang="zh-CN" altLang="en-US" b="1">
                 <a:effectLst>
                   <a:outerShdw blurRad="38100" dist="38100" dir="2700000" algn="tl">
                     <a:srgbClr val="000000">
@@ -12747,7 +12744,7 @@
               </a:rPr>
               <a:t>函数设计</a:t>
             </a:r>
-            <a:endParaRPr lang="zh-CN" altLang="" b="1">
+            <a:endParaRPr lang="zh-CN" altLang="en-US" b="1">
               <a:effectLst>
                 <a:outerShdw blurRad="38100" dist="38100" dir="2700000" algn="tl">
                   <a:srgbClr val="000000">
@@ -12807,6 +12804,2011 @@
           </a:prstGeom>
         </p:spPr>
       </p:pic>
+      <p:sp>
+        <p:nvSpPr>
+          <p:cNvPr id="7" name="Text Box 6"/>
+          <p:cNvSpPr txBox="true"/>
+          <p:nvPr/>
+        </p:nvSpPr>
+        <p:spPr>
+          <a:xfrm>
+            <a:off x="1005840" y="3704590"/>
+            <a:ext cx="11030585" cy="1599565"/>
+          </a:xfrm>
+          <a:prstGeom prst="rect">
+            <a:avLst/>
+          </a:prstGeom>
+          <a:noFill/>
+        </p:spPr>
+        <p:txBody>
+          <a:bodyPr wrap="square" rtlCol="0">
+            <a:spAutoFit/>
+          </a:bodyPr>
+          <a:p>
+            <a:r>
+              <a:rPr lang="" altLang="en-US" sz="1400" u="sng">
+                <a:latin typeface="Courier New" panose="02070309020205020404" charset="0"/>
+                <a:cs typeface="Courier New" panose="02070309020205020404" charset="0"/>
+              </a:rPr>
+              <a:t>1. </a:t>
+            </a:r>
+            <a:r>
+              <a:rPr lang="zh-CN" altLang="" sz="1400" u="sng">
+                <a:latin typeface="Courier New" panose="02070309020205020404" charset="0"/>
+                <a:cs typeface="Courier New" panose="02070309020205020404" charset="0"/>
+              </a:rPr>
+              <a:t>为什么要阻塞</a:t>
+            </a:r>
+            <a:r>
+              <a:rPr lang="en-US" altLang="zh-CN" sz="1400" u="sng">
+                <a:latin typeface="Courier New" panose="02070309020205020404" charset="0"/>
+                <a:cs typeface="Courier New" panose="02070309020205020404" charset="0"/>
+              </a:rPr>
+              <a:t>SIGCHLD</a:t>
+            </a:r>
+            <a:r>
+              <a:rPr lang="zh-CN" altLang="en-US" sz="1400" u="sng">
+                <a:latin typeface="Courier New" panose="02070309020205020404" charset="0"/>
+                <a:cs typeface="Courier New" panose="02070309020205020404" charset="0"/>
+              </a:rPr>
+              <a:t>，忽略</a:t>
+            </a:r>
+            <a:r>
+              <a:rPr lang="en-US" altLang="zh-CN" sz="1400" u="sng">
+                <a:latin typeface="Courier New" panose="02070309020205020404" charset="0"/>
+                <a:cs typeface="Courier New" panose="02070309020205020404" charset="0"/>
+              </a:rPr>
+              <a:t>SIGINT</a:t>
+            </a:r>
+            <a:r>
+              <a:rPr lang="zh-CN" altLang="en-US" sz="1400" u="sng">
+                <a:latin typeface="Courier New" panose="02070309020205020404" charset="0"/>
+                <a:cs typeface="Courier New" panose="02070309020205020404" charset="0"/>
+              </a:rPr>
+              <a:t>和</a:t>
+            </a:r>
+            <a:r>
+              <a:rPr lang="en-US" altLang="zh-CN" sz="1400" u="sng">
+                <a:latin typeface="Courier New" panose="02070309020205020404" charset="0"/>
+                <a:cs typeface="Courier New" panose="02070309020205020404" charset="0"/>
+              </a:rPr>
+              <a:t>SIGQUIT</a:t>
+            </a:r>
+            <a:r>
+              <a:rPr lang="zh-CN" altLang="en-US" sz="1400" u="sng">
+                <a:latin typeface="Courier New" panose="02070309020205020404" charset="0"/>
+                <a:cs typeface="Courier New" panose="02070309020205020404" charset="0"/>
+              </a:rPr>
+              <a:t>？</a:t>
+            </a:r>
+            <a:endParaRPr lang="zh-CN" altLang="en-US" sz="1400" u="sng">
+              <a:latin typeface="Courier New" panose="02070309020205020404" charset="0"/>
+              <a:cs typeface="Courier New" panose="02070309020205020404" charset="0"/>
+            </a:endParaRPr>
+          </a:p>
+          <a:p>
+            <a:endParaRPr lang="zh-CN" altLang="en-US" sz="1400" u="sng">
+              <a:latin typeface="Courier New" panose="02070309020205020404" charset="0"/>
+              <a:cs typeface="Courier New" panose="02070309020205020404" charset="0"/>
+            </a:endParaRPr>
+          </a:p>
+          <a:p>
+            <a:r>
+              <a:rPr lang="en-US" altLang="zh-CN" sz="1400" u="sng">
+                <a:latin typeface="Courier New" panose="02070309020205020404" charset="0"/>
+                <a:cs typeface="Courier New" panose="02070309020205020404" charset="0"/>
+              </a:rPr>
+              <a:t>2. </a:t>
+            </a:r>
+            <a:r>
+              <a:rPr lang="zh-CN" altLang="en-US" sz="1400" u="sng">
+                <a:latin typeface="Courier New" panose="02070309020205020404" charset="0"/>
+                <a:cs typeface="Courier New" panose="02070309020205020404" charset="0"/>
+              </a:rPr>
+              <a:t>如何去阻塞</a:t>
+            </a:r>
+            <a:endParaRPr lang="zh-CN" altLang="en-US" sz="1400" u="sng">
+              <a:latin typeface="Courier New" panose="02070309020205020404" charset="0"/>
+              <a:cs typeface="Courier New" panose="02070309020205020404" charset="0"/>
+            </a:endParaRPr>
+          </a:p>
+          <a:p>
+            <a:endParaRPr lang="zh-CN" altLang="en-US" sz="1400" u="sng">
+              <a:latin typeface="Courier New" panose="02070309020205020404" charset="0"/>
+              <a:cs typeface="Courier New" panose="02070309020205020404" charset="0"/>
+            </a:endParaRPr>
+          </a:p>
+          <a:p>
+            <a:r>
+              <a:rPr lang="en-US" altLang="zh-CN" sz="1400" u="sng">
+                <a:latin typeface="Courier New" panose="02070309020205020404" charset="0"/>
+                <a:cs typeface="Courier New" panose="02070309020205020404" charset="0"/>
+              </a:rPr>
+              <a:t>3. </a:t>
+            </a:r>
+            <a:r>
+              <a:rPr lang="zh-CN" altLang="en-US" sz="1400" u="sng">
+                <a:latin typeface="Courier New" panose="02070309020205020404" charset="0"/>
+                <a:cs typeface="Courier New" panose="02070309020205020404" charset="0"/>
+              </a:rPr>
+              <a:t>当一个</a:t>
+            </a:r>
+            <a:r>
+              <a:rPr lang="en-US" altLang="zh-CN" sz="1400" u="sng">
+                <a:latin typeface="Courier New" panose="02070309020205020404" charset="0"/>
+                <a:cs typeface="Courier New" panose="02070309020205020404" charset="0"/>
+              </a:rPr>
+              <a:t>SIGCHLD</a:t>
+            </a:r>
+            <a:r>
+              <a:rPr lang="zh-CN" altLang="en-US" sz="1400" u="sng">
+                <a:latin typeface="Courier New" panose="02070309020205020404" charset="0"/>
+                <a:cs typeface="Courier New" panose="02070309020205020404" charset="0"/>
+              </a:rPr>
+              <a:t>未决期间，</a:t>
+            </a:r>
+            <a:r>
+              <a:rPr lang="en-US" altLang="zh-CN" sz="1400" u="sng">
+                <a:latin typeface="Courier New" panose="02070309020205020404" charset="0"/>
+                <a:cs typeface="Courier New" panose="02070309020205020404" charset="0"/>
+              </a:rPr>
+              <a:t>wait</a:t>
+            </a:r>
+            <a:r>
+              <a:rPr lang="zh-CN" altLang="en-US" sz="1400" u="sng">
+                <a:latin typeface="Courier New" panose="02070309020205020404" charset="0"/>
+                <a:cs typeface="Courier New" panose="02070309020205020404" charset="0"/>
+              </a:rPr>
+              <a:t>和</a:t>
+            </a:r>
+            <a:r>
+              <a:rPr lang="en-US" altLang="zh-CN" sz="1400" u="sng">
+                <a:latin typeface="Courier New" panose="02070309020205020404" charset="0"/>
+                <a:cs typeface="Courier New" panose="02070309020205020404" charset="0"/>
+              </a:rPr>
+              <a:t>waitpid </a:t>
+            </a:r>
+            <a:r>
+              <a:rPr lang="zh-CN" altLang="en-US" sz="1400" u="sng">
+                <a:latin typeface="Courier New" panose="02070309020205020404" charset="0"/>
+                <a:cs typeface="Courier New" panose="02070309020205020404" charset="0"/>
+              </a:rPr>
+              <a:t>返回了子进程的状态，那么在解除阻塞后，该信号还会不会抵达？</a:t>
+            </a:r>
+            <a:endParaRPr lang="zh-CN" altLang="en-US" sz="1400" u="sng">
+              <a:latin typeface="Courier New" panose="02070309020205020404" charset="0"/>
+              <a:cs typeface="Courier New" panose="02070309020205020404" charset="0"/>
+            </a:endParaRPr>
+          </a:p>
+          <a:p>
+            <a:r>
+              <a:rPr lang="en-US" altLang="zh-CN" sz="1400" u="sng">
+                <a:latin typeface="Courier New" panose="02070309020205020404" charset="0"/>
+                <a:cs typeface="Courier New" panose="02070309020205020404" charset="0"/>
+              </a:rPr>
+              <a:t>	</a:t>
+            </a:r>
+            <a:r>
+              <a:rPr lang="zh-CN" altLang="en-US" sz="1400" u="sng">
+                <a:latin typeface="Courier New" panose="02070309020205020404" charset="0"/>
+                <a:cs typeface="Courier New" panose="02070309020205020404" charset="0"/>
+              </a:rPr>
+              <a:t>标准规定不允许抵达，但是</a:t>
+            </a:r>
+            <a:r>
+              <a:rPr lang="en-US" altLang="zh-CN" sz="1400" u="sng">
+                <a:latin typeface="Courier New" panose="02070309020205020404" charset="0"/>
+                <a:cs typeface="Courier New" panose="02070309020205020404" charset="0"/>
+              </a:rPr>
+              <a:t>Linux</a:t>
+            </a:r>
+            <a:r>
+              <a:rPr lang="zh-CN" altLang="en-US" sz="1400" u="sng">
+                <a:latin typeface="Courier New" panose="02070309020205020404" charset="0"/>
+                <a:cs typeface="Courier New" panose="02070309020205020404" charset="0"/>
+              </a:rPr>
+              <a:t>没有实现。</a:t>
+            </a:r>
+            <a:endParaRPr lang="en-US" altLang="en-US" sz="1400" u="sng">
+              <a:latin typeface="Courier New" panose="02070309020205020404" charset="0"/>
+              <a:cs typeface="Courier New" panose="02070309020205020404" charset="0"/>
+            </a:endParaRPr>
+          </a:p>
+          <a:p>
+            <a:endParaRPr lang="en-US" altLang="en-US" sz="1400" u="sng">
+              <a:latin typeface="Courier New" panose="02070309020205020404" charset="0"/>
+              <a:cs typeface="Courier New" panose="02070309020205020404" charset="0"/>
+            </a:endParaRPr>
+          </a:p>
+        </p:txBody>
+      </p:sp>
+    </p:spTree>
+  </p:cSld>
+  <p:clrMapOvr>
+    <a:masterClrMapping/>
+  </p:clrMapOvr>
+</p:sld>
+</file>
+
+<file path=ppt/slides/slide23.xml><?xml version="1.0" encoding="utf-8"?>
+<p:sld xmlns:a="http://schemas.openxmlformats.org/drawingml/2006/main" xmlns:r="http://schemas.openxmlformats.org/officeDocument/2006/relationships" xmlns:p="http://schemas.openxmlformats.org/presentationml/2006/main">
+  <p:cSld>
+    <p:spTree>
+      <p:nvGrpSpPr>
+        <p:cNvPr id="1" name=""/>
+        <p:cNvGrpSpPr/>
+        <p:nvPr/>
+      </p:nvGrpSpPr>
+      <p:grpSpPr/>
+      <p:sp>
+        <p:nvSpPr>
+          <p:cNvPr id="2" name="Text Box 1"/>
+          <p:cNvSpPr txBox="true"/>
+          <p:nvPr/>
+        </p:nvSpPr>
+        <p:spPr>
+          <a:xfrm>
+            <a:off x="35560" y="25400"/>
+            <a:ext cx="6040120" cy="368300"/>
+          </a:xfrm>
+          <a:prstGeom prst="rect">
+            <a:avLst/>
+          </a:prstGeom>
+          <a:noFill/>
+        </p:spPr>
+        <p:txBody>
+          <a:bodyPr wrap="square" rtlCol="0">
+            <a:spAutoFit/>
+          </a:bodyPr>
+          <a:p>
+            <a:r>
+              <a:rPr lang="zh-CN" b="1">
+                <a:effectLst>
+                  <a:outerShdw blurRad="38100" dist="38100" dir="2700000" algn="tl">
+                    <a:srgbClr val="000000">
+                      <a:alpha val="43137"/>
+                    </a:srgbClr>
+                  </a:outerShdw>
+                </a:effectLst>
+              </a:rPr>
+              <a:t>函数</a:t>
+            </a:r>
+            <a:r>
+              <a:rPr lang="en-US" altLang="zh-CN" b="1">
+                <a:effectLst>
+                  <a:outerShdw blurRad="38100" dist="38100" dir="2700000" algn="tl">
+                    <a:srgbClr val="000000">
+                      <a:alpha val="43137"/>
+                    </a:srgbClr>
+                  </a:outerShdw>
+                </a:effectLst>
+              </a:rPr>
+              <a:t>sleep</a:t>
+            </a:r>
+            <a:r>
+              <a:rPr lang="zh-CN" altLang="en-US" b="1">
+                <a:effectLst>
+                  <a:outerShdw blurRad="38100" dist="38100" dir="2700000" algn="tl">
+                    <a:srgbClr val="000000">
+                      <a:alpha val="43137"/>
+                    </a:srgbClr>
+                  </a:outerShdw>
+                </a:effectLst>
+              </a:rPr>
+              <a:t>相关及其设计</a:t>
+            </a:r>
+            <a:endParaRPr lang="zh-CN" altLang="en-US" b="1">
+              <a:effectLst>
+                <a:outerShdw blurRad="38100" dist="38100" dir="2700000" algn="tl">
+                  <a:srgbClr val="000000">
+                    <a:alpha val="43137"/>
+                  </a:srgbClr>
+                </a:outerShdw>
+              </a:effectLst>
+            </a:endParaRPr>
+          </a:p>
+        </p:txBody>
+      </p:sp>
+      <p:sp>
+        <p:nvSpPr>
+          <p:cNvPr id="7" name="Text Box 6"/>
+          <p:cNvSpPr txBox="true"/>
+          <p:nvPr/>
+        </p:nvSpPr>
+        <p:spPr>
+          <a:xfrm>
+            <a:off x="186690" y="840740"/>
+            <a:ext cx="11910695" cy="3322955"/>
+          </a:xfrm>
+          <a:prstGeom prst="rect">
+            <a:avLst/>
+          </a:prstGeom>
+          <a:noFill/>
+        </p:spPr>
+        <p:txBody>
+          <a:bodyPr wrap="square" rtlCol="0">
+            <a:spAutoFit/>
+          </a:bodyPr>
+          <a:p>
+            <a:r>
+              <a:rPr lang="" altLang="en-US" sz="1400" u="sng">
+                <a:latin typeface="Courier New" panose="02070309020205020404" charset="0"/>
+                <a:cs typeface="Courier New" panose="02070309020205020404" charset="0"/>
+              </a:rPr>
+              <a:t>unsigned int sleep(unsigned int seconds)</a:t>
+            </a:r>
+            <a:endParaRPr lang="" altLang="en-US" sz="1400" u="sng">
+              <a:latin typeface="Courier New" panose="02070309020205020404" charset="0"/>
+              <a:cs typeface="Courier New" panose="02070309020205020404" charset="0"/>
+            </a:endParaRPr>
+          </a:p>
+          <a:p>
+            <a:r>
+              <a:rPr lang="" altLang="en-US" sz="1400" u="sng">
+                <a:latin typeface="Courier New" panose="02070309020205020404" charset="0"/>
+                <a:cs typeface="Courier New" panose="02070309020205020404" charset="0"/>
+              </a:rPr>
+              <a:t>	//</a:t>
+            </a:r>
+            <a:r>
+              <a:rPr lang="zh-CN" altLang="" sz="1400" u="sng">
+                <a:latin typeface="Courier New" panose="02070309020205020404" charset="0"/>
+                <a:cs typeface="Courier New" panose="02070309020205020404" charset="0"/>
+              </a:rPr>
+              <a:t>返回</a:t>
+            </a:r>
+            <a:r>
+              <a:rPr lang="en-US" altLang="zh-CN" sz="1400" u="sng">
+                <a:latin typeface="Courier New" panose="02070309020205020404" charset="0"/>
+                <a:cs typeface="Courier New" panose="02070309020205020404" charset="0"/>
+              </a:rPr>
+              <a:t>0</a:t>
+            </a:r>
+            <a:r>
+              <a:rPr lang="zh-CN" altLang="en-US" sz="1400" u="sng">
+                <a:latin typeface="Courier New" panose="02070309020205020404" charset="0"/>
+                <a:cs typeface="Courier New" panose="02070309020205020404" charset="0"/>
+              </a:rPr>
+              <a:t>或者未休眠完的秒</a:t>
+            </a:r>
+            <a:endParaRPr lang="zh-CN" altLang="en-US" sz="1400" u="sng">
+              <a:latin typeface="Courier New" panose="02070309020205020404" charset="0"/>
+              <a:cs typeface="Courier New" panose="02070309020205020404" charset="0"/>
+            </a:endParaRPr>
+          </a:p>
+          <a:p>
+            <a:r>
+              <a:rPr lang="en-US" altLang="zh-CN" sz="1400" u="sng">
+                <a:latin typeface="Courier New" panose="02070309020205020404" charset="0"/>
+                <a:cs typeface="Courier New" panose="02070309020205020404" charset="0"/>
+              </a:rPr>
+              <a:t>	</a:t>
+            </a:r>
+            <a:r>
+              <a:rPr lang="" altLang="en-US" sz="1400" u="sng">
+                <a:latin typeface="Courier New" panose="02070309020205020404" charset="0"/>
+                <a:cs typeface="Courier New" panose="02070309020205020404" charset="0"/>
+              </a:rPr>
+              <a:t>//</a:t>
+            </a:r>
+            <a:r>
+              <a:rPr lang="zh-CN" altLang="" sz="1400" u="sng">
+                <a:latin typeface="Courier New" panose="02070309020205020404" charset="0"/>
+                <a:cs typeface="Courier New" panose="02070309020205020404" charset="0"/>
+              </a:rPr>
+              <a:t>在达到指定的定时时间，或者捕捉到一个信号，并从信号处理程序返回</a:t>
+            </a:r>
+            <a:endParaRPr lang="zh-CN" altLang="" sz="1400" u="sng">
+              <a:latin typeface="Courier New" panose="02070309020205020404" charset="0"/>
+              <a:cs typeface="Courier New" panose="02070309020205020404" charset="0"/>
+            </a:endParaRPr>
+          </a:p>
+          <a:p>
+            <a:endParaRPr lang="zh-CN" altLang="" sz="1400" u="sng">
+              <a:latin typeface="Courier New" panose="02070309020205020404" charset="0"/>
+              <a:cs typeface="Courier New" panose="02070309020205020404" charset="0"/>
+            </a:endParaRPr>
+          </a:p>
+          <a:p>
+            <a:endParaRPr lang="zh-CN" altLang="" sz="1400" u="sng">
+              <a:latin typeface="Courier New" panose="02070309020205020404" charset="0"/>
+              <a:cs typeface="Courier New" panose="02070309020205020404" charset="0"/>
+            </a:endParaRPr>
+          </a:p>
+          <a:p>
+            <a:r>
+              <a:rPr lang="en-US" altLang="zh-CN" sz="1400" u="sng">
+                <a:latin typeface="Courier New" panose="02070309020205020404" charset="0"/>
+                <a:cs typeface="Courier New" panose="02070309020205020404" charset="0"/>
+              </a:rPr>
+              <a:t>int</a:t>
+            </a:r>
+            <a:r>
+              <a:rPr lang="" altLang="en-US" sz="1400" u="sng">
+                <a:latin typeface="Courier New" panose="02070309020205020404" charset="0"/>
+                <a:cs typeface="Courier New" panose="02070309020205020404" charset="0"/>
+              </a:rPr>
+              <a:t> nanosleep(const struct timespec *reqtp, struct timespec *remtp)</a:t>
+            </a:r>
+            <a:endParaRPr lang="" altLang="en-US" sz="1400" u="sng">
+              <a:latin typeface="Courier New" panose="02070309020205020404" charset="0"/>
+              <a:cs typeface="Courier New" panose="02070309020205020404" charset="0"/>
+            </a:endParaRPr>
+          </a:p>
+          <a:p>
+            <a:r>
+              <a:rPr lang="" altLang="en-US" sz="1400" u="sng">
+                <a:latin typeface="Courier New" panose="02070309020205020404" charset="0"/>
+                <a:cs typeface="Courier New" panose="02070309020205020404" charset="0"/>
+              </a:rPr>
+              <a:t>	//</a:t>
+            </a:r>
+            <a:r>
+              <a:rPr lang="zh-CN" altLang="" sz="1400" u="sng">
+                <a:latin typeface="Courier New" panose="02070309020205020404" charset="0"/>
+                <a:cs typeface="Courier New" panose="02070309020205020404" charset="0"/>
+              </a:rPr>
+              <a:t>休眠到要求的时间，返回</a:t>
+            </a:r>
+            <a:r>
+              <a:rPr lang="en-US" altLang="zh-CN" sz="1400" u="sng">
+                <a:latin typeface="Courier New" panose="02070309020205020404" charset="0"/>
+                <a:cs typeface="Courier New" panose="02070309020205020404" charset="0"/>
+              </a:rPr>
+              <a:t>0</a:t>
+            </a:r>
+            <a:r>
+              <a:rPr lang="zh-CN" altLang="en-US" sz="1400" u="sng">
+                <a:latin typeface="Courier New" panose="02070309020205020404" charset="0"/>
+                <a:cs typeface="Courier New" panose="02070309020205020404" charset="0"/>
+              </a:rPr>
+              <a:t>，出错，返回</a:t>
+            </a:r>
+            <a:r>
+              <a:rPr lang="en-US" altLang="zh-CN" sz="1400" u="sng">
+                <a:latin typeface="Courier New" panose="02070309020205020404" charset="0"/>
+                <a:cs typeface="Courier New" panose="02070309020205020404" charset="0"/>
+              </a:rPr>
+              <a:t>-1</a:t>
+            </a:r>
+            <a:endParaRPr lang="en-US" altLang="zh-CN" sz="1400" u="sng">
+              <a:latin typeface="Courier New" panose="02070309020205020404" charset="0"/>
+              <a:cs typeface="Courier New" panose="02070309020205020404" charset="0"/>
+            </a:endParaRPr>
+          </a:p>
+          <a:p>
+            <a:r>
+              <a:rPr lang="en-US" altLang="zh-CN" sz="1400" u="sng">
+                <a:latin typeface="Courier New" panose="02070309020205020404" charset="0"/>
+                <a:cs typeface="Courier New" panose="02070309020205020404" charset="0"/>
+              </a:rPr>
+              <a:t>	</a:t>
+            </a:r>
+            <a:r>
+              <a:rPr lang="" altLang="en-US" sz="1400" u="sng">
+                <a:latin typeface="Courier New" panose="02070309020205020404" charset="0"/>
+                <a:cs typeface="Courier New" panose="02070309020205020404" charset="0"/>
+              </a:rPr>
+              <a:t>//</a:t>
+            </a:r>
+            <a:r>
+              <a:rPr lang="zh-CN" altLang="" sz="1400" u="sng">
+                <a:latin typeface="Courier New" panose="02070309020205020404" charset="0"/>
+                <a:cs typeface="Courier New" panose="02070309020205020404" charset="0"/>
+              </a:rPr>
+              <a:t>函数挂起调用进程，直到超时或者某个信号中断，</a:t>
+            </a:r>
+            <a:r>
+              <a:rPr lang="en-US" altLang="zh-CN" sz="1400" u="sng">
+                <a:latin typeface="Courier New" panose="02070309020205020404" charset="0"/>
+                <a:cs typeface="Courier New" panose="02070309020205020404" charset="0"/>
+              </a:rPr>
+              <a:t> </a:t>
+            </a:r>
+            <a:r>
+              <a:rPr lang="zh-CN" altLang="en-US" sz="1400" u="sng">
+                <a:latin typeface="Courier New" panose="02070309020205020404" charset="0"/>
+                <a:cs typeface="Courier New" panose="02070309020205020404" charset="0"/>
+              </a:rPr>
+              <a:t>如果某个信号中断，那么</a:t>
+            </a:r>
+            <a:r>
+              <a:rPr lang="en-US" altLang="zh-CN" sz="1400" u="sng">
+                <a:latin typeface="Courier New" panose="02070309020205020404" charset="0"/>
+                <a:cs typeface="Courier New" panose="02070309020205020404" charset="0"/>
+              </a:rPr>
+              <a:t>remtp</a:t>
+            </a:r>
+            <a:r>
+              <a:rPr lang="zh-CN" altLang="en-US" sz="1400" u="sng">
+                <a:latin typeface="Courier New" panose="02070309020205020404" charset="0"/>
+                <a:cs typeface="Courier New" panose="02070309020205020404" charset="0"/>
+              </a:rPr>
+              <a:t>将会被设置为剩余的定时时间</a:t>
+            </a:r>
+            <a:endParaRPr lang="zh-CN" altLang="en-US" sz="1400" u="sng">
+              <a:latin typeface="Courier New" panose="02070309020205020404" charset="0"/>
+              <a:cs typeface="Courier New" panose="02070309020205020404" charset="0"/>
+            </a:endParaRPr>
+          </a:p>
+          <a:p>
+            <a:endParaRPr lang="zh-CN" altLang="en-US" sz="1400" u="sng">
+              <a:latin typeface="Courier New" panose="02070309020205020404" charset="0"/>
+              <a:cs typeface="Courier New" panose="02070309020205020404" charset="0"/>
+            </a:endParaRPr>
+          </a:p>
+          <a:p>
+            <a:endParaRPr lang="zh-CN" altLang="en-US" sz="1400" u="sng">
+              <a:latin typeface="Courier New" panose="02070309020205020404" charset="0"/>
+              <a:cs typeface="Courier New" panose="02070309020205020404" charset="0"/>
+            </a:endParaRPr>
+          </a:p>
+          <a:p>
+            <a:r>
+              <a:rPr lang="en-US" altLang="zh-CN" sz="1400" u="sng">
+                <a:latin typeface="Courier New" panose="02070309020205020404" charset="0"/>
+                <a:cs typeface="Courier New" panose="02070309020205020404" charset="0"/>
+              </a:rPr>
+              <a:t>int</a:t>
+            </a:r>
+            <a:r>
+              <a:rPr lang="" altLang="en-US" sz="1400" u="sng">
+                <a:latin typeface="Courier New" panose="02070309020205020404" charset="0"/>
+                <a:cs typeface="Courier New" panose="02070309020205020404" charset="0"/>
+              </a:rPr>
+              <a:t> clock_nanosleep(clockid_t clock_id, int flags, const struct timespec *reqtp, struct timespec *remtp);</a:t>
+            </a:r>
+            <a:endParaRPr lang="" altLang="en-US" sz="1400" u="sng">
+              <a:latin typeface="Courier New" panose="02070309020205020404" charset="0"/>
+              <a:cs typeface="Courier New" panose="02070309020205020404" charset="0"/>
+            </a:endParaRPr>
+          </a:p>
+          <a:p>
+            <a:r>
+              <a:rPr lang="" altLang="en-US" sz="1400" u="sng">
+                <a:latin typeface="Courier New" panose="02070309020205020404" charset="0"/>
+                <a:cs typeface="Courier New" panose="02070309020205020404" charset="0"/>
+              </a:rPr>
+              <a:t>	//</a:t>
+            </a:r>
+            <a:r>
+              <a:rPr lang="zh-CN" altLang="" sz="1400" u="sng">
+                <a:latin typeface="Courier New" panose="02070309020205020404" charset="0"/>
+                <a:cs typeface="Courier New" panose="02070309020205020404" charset="0"/>
+              </a:rPr>
+              <a:t>休眠到要求时间，返回</a:t>
+            </a:r>
+            <a:r>
+              <a:rPr lang="en-US" altLang="zh-CN" sz="1400" u="sng">
+                <a:latin typeface="Courier New" panose="02070309020205020404" charset="0"/>
+                <a:cs typeface="Courier New" panose="02070309020205020404" charset="0"/>
+              </a:rPr>
+              <a:t>0</a:t>
+            </a:r>
+            <a:r>
+              <a:rPr lang="zh-CN" altLang="en-US" sz="1400" u="sng">
+                <a:latin typeface="Courier New" panose="02070309020205020404" charset="0"/>
+                <a:cs typeface="Courier New" panose="02070309020205020404" charset="0"/>
+              </a:rPr>
+              <a:t>，出错，返回错误码</a:t>
+            </a:r>
+            <a:endParaRPr lang="zh-CN" altLang="en-US" sz="1400" u="sng">
+              <a:latin typeface="Courier New" panose="02070309020205020404" charset="0"/>
+              <a:cs typeface="Courier New" panose="02070309020205020404" charset="0"/>
+            </a:endParaRPr>
+          </a:p>
+          <a:p>
+            <a:r>
+              <a:rPr lang="en-US" altLang="en-US" sz="1400" u="sng">
+                <a:latin typeface="Courier New" panose="02070309020205020404" charset="0"/>
+                <a:cs typeface="Courier New" panose="02070309020205020404" charset="0"/>
+              </a:rPr>
+              <a:t>	</a:t>
+            </a:r>
+            <a:r>
+              <a:rPr lang="" altLang="en-US" sz="1400" u="sng">
+                <a:latin typeface="Courier New" panose="02070309020205020404" charset="0"/>
+                <a:cs typeface="Courier New" panose="02070309020205020404" charset="0"/>
+              </a:rPr>
+              <a:t>//clock_id</a:t>
+            </a:r>
+            <a:r>
+              <a:rPr lang="en-US" altLang="" sz="1400" u="sng">
+                <a:latin typeface="Courier New" panose="02070309020205020404" charset="0"/>
+                <a:cs typeface="Courier New" panose="02070309020205020404" charset="0"/>
+              </a:rPr>
+              <a:t> </a:t>
+            </a:r>
+            <a:r>
+              <a:rPr lang="zh-CN" altLang="en-US" sz="1400" u="sng">
+                <a:latin typeface="Courier New" panose="02070309020205020404" charset="0"/>
+                <a:cs typeface="Courier New" panose="02070309020205020404" charset="0"/>
+              </a:rPr>
+              <a:t>表明休眠的计数时钟类型</a:t>
+            </a:r>
+            <a:endParaRPr lang="zh-CN" altLang="en-US" sz="1400" u="sng">
+              <a:latin typeface="Courier New" panose="02070309020205020404" charset="0"/>
+              <a:cs typeface="Courier New" panose="02070309020205020404" charset="0"/>
+            </a:endParaRPr>
+          </a:p>
+          <a:p>
+            <a:r>
+              <a:rPr lang="en-US" altLang="zh-CN" sz="1400" u="sng">
+                <a:latin typeface="Courier New" panose="02070309020205020404" charset="0"/>
+                <a:cs typeface="Courier New" panose="02070309020205020404" charset="0"/>
+              </a:rPr>
+              <a:t>	</a:t>
+            </a:r>
+            <a:r>
+              <a:rPr lang="" altLang="en-US" sz="1400" u="sng">
+                <a:latin typeface="Courier New" panose="02070309020205020404" charset="0"/>
+                <a:cs typeface="Courier New" panose="02070309020205020404" charset="0"/>
+              </a:rPr>
+              <a:t>//</a:t>
+            </a:r>
+            <a:r>
+              <a:rPr lang="en-US" altLang="" sz="1400" u="sng">
+                <a:latin typeface="Courier New" panose="02070309020205020404" charset="0"/>
+                <a:cs typeface="Courier New" panose="02070309020205020404" charset="0"/>
+              </a:rPr>
+              <a:t>flags</a:t>
+            </a:r>
+            <a:r>
+              <a:rPr lang="zh-CN" altLang="en-US" sz="1400" u="sng">
+                <a:latin typeface="Courier New" panose="02070309020205020404" charset="0"/>
+                <a:cs typeface="Courier New" panose="02070309020205020404" charset="0"/>
+              </a:rPr>
+              <a:t>表明休眠的时间相对性，</a:t>
+            </a:r>
+            <a:r>
+              <a:rPr lang="en-US" altLang="zh-CN" sz="1400" u="sng">
+                <a:latin typeface="Courier New" panose="02070309020205020404" charset="0"/>
+                <a:cs typeface="Courier New" panose="02070309020205020404" charset="0"/>
+              </a:rPr>
+              <a:t>0</a:t>
+            </a:r>
+            <a:r>
+              <a:rPr lang="zh-CN" altLang="en-US" sz="1400" u="sng">
+                <a:latin typeface="Courier New" panose="02070309020205020404" charset="0"/>
+                <a:cs typeface="Courier New" panose="02070309020205020404" charset="0"/>
+              </a:rPr>
+              <a:t>代表相对时间</a:t>
+            </a:r>
+            <a:r>
+              <a:rPr lang="" altLang="zh-CN" sz="1400" u="sng">
+                <a:latin typeface="Courier New" panose="02070309020205020404" charset="0"/>
+                <a:cs typeface="Courier New" panose="02070309020205020404" charset="0"/>
+              </a:rPr>
+              <a:t>[</a:t>
+            </a:r>
+            <a:r>
+              <a:rPr lang="zh-CN" altLang="" sz="1400" u="sng">
+                <a:latin typeface="Courier New" panose="02070309020205020404" charset="0"/>
+                <a:cs typeface="Courier New" panose="02070309020205020404" charset="0"/>
+              </a:rPr>
+              <a:t>休眠长度</a:t>
+            </a:r>
+            <a:r>
+              <a:rPr lang="" altLang="zh-CN" sz="1400" u="sng">
+                <a:latin typeface="Courier New" panose="02070309020205020404" charset="0"/>
+                <a:cs typeface="Courier New" panose="02070309020205020404" charset="0"/>
+              </a:rPr>
+              <a:t>]</a:t>
+            </a:r>
+            <a:r>
+              <a:rPr lang="zh-CN" altLang="" sz="1400" u="sng">
+                <a:latin typeface="Courier New" panose="02070309020205020404" charset="0"/>
+                <a:cs typeface="Courier New" panose="02070309020205020404" charset="0"/>
+              </a:rPr>
+              <a:t>，</a:t>
+            </a:r>
+            <a:r>
+              <a:rPr lang="en-US" altLang="zh-CN" sz="1400" u="sng">
+                <a:latin typeface="Courier New" panose="02070309020205020404" charset="0"/>
+                <a:cs typeface="Courier New" panose="02070309020205020404" charset="0"/>
+              </a:rPr>
+              <a:t>TIMER</a:t>
+            </a:r>
+            <a:r>
+              <a:rPr lang="" altLang="en-US" sz="1400" u="sng">
+                <a:latin typeface="Courier New" panose="02070309020205020404" charset="0"/>
+                <a:cs typeface="Courier New" panose="02070309020205020404" charset="0"/>
+              </a:rPr>
+              <a:t>_ABSTIME</a:t>
+            </a:r>
+            <a:r>
+              <a:rPr lang="zh-CN" altLang="" sz="1400" u="sng">
+                <a:latin typeface="Courier New" panose="02070309020205020404" charset="0"/>
+                <a:cs typeface="Courier New" panose="02070309020205020404" charset="0"/>
+              </a:rPr>
+              <a:t>代表绝对时间</a:t>
+            </a:r>
+            <a:r>
+              <a:rPr lang="" altLang="zh-CN" sz="1400" u="sng">
+                <a:latin typeface="Courier New" panose="02070309020205020404" charset="0"/>
+                <a:cs typeface="Courier New" panose="02070309020205020404" charset="0"/>
+              </a:rPr>
+              <a:t>[</a:t>
+            </a:r>
+            <a:r>
+              <a:rPr lang="zh-CN" altLang="" sz="1400" u="sng">
+                <a:latin typeface="Courier New" panose="02070309020205020404" charset="0"/>
+                <a:cs typeface="Courier New" panose="02070309020205020404" charset="0"/>
+              </a:rPr>
+              <a:t>休眠到这个时间点</a:t>
+            </a:r>
+            <a:r>
+              <a:rPr lang="" altLang="zh-CN" sz="1400" u="sng">
+                <a:latin typeface="Courier New" panose="02070309020205020404" charset="0"/>
+                <a:cs typeface="Courier New" panose="02070309020205020404" charset="0"/>
+              </a:rPr>
+              <a:t>]</a:t>
+            </a:r>
+            <a:endParaRPr lang="en-US" altLang="en-US" sz="1400" u="sng">
+              <a:latin typeface="Courier New" panose="02070309020205020404" charset="0"/>
+              <a:cs typeface="Courier New" panose="02070309020205020404" charset="0"/>
+            </a:endParaRPr>
+          </a:p>
+          <a:p>
+            <a:endParaRPr lang="en-US" altLang="en-US" sz="1400" u="sng">
+              <a:latin typeface="Courier New" panose="02070309020205020404" charset="0"/>
+              <a:cs typeface="Courier New" panose="02070309020205020404" charset="0"/>
+            </a:endParaRPr>
+          </a:p>
+        </p:txBody>
+      </p:sp>
+    </p:spTree>
+  </p:cSld>
+  <p:clrMapOvr>
+    <a:masterClrMapping/>
+  </p:clrMapOvr>
+</p:sld>
+</file>
+
+<file path=ppt/slides/slide24.xml><?xml version="1.0" encoding="utf-8"?>
+<p:sld xmlns:a="http://schemas.openxmlformats.org/drawingml/2006/main" xmlns:r="http://schemas.openxmlformats.org/officeDocument/2006/relationships" xmlns:p="http://schemas.openxmlformats.org/presentationml/2006/main">
+  <p:cSld>
+    <p:spTree>
+      <p:nvGrpSpPr>
+        <p:cNvPr id="1" name=""/>
+        <p:cNvGrpSpPr/>
+        <p:nvPr/>
+      </p:nvGrpSpPr>
+      <p:grpSpPr/>
+      <p:sp>
+        <p:nvSpPr>
+          <p:cNvPr id="2" name="Text Box 1"/>
+          <p:cNvSpPr txBox="true"/>
+          <p:nvPr/>
+        </p:nvSpPr>
+        <p:spPr>
+          <a:xfrm>
+            <a:off x="35560" y="25400"/>
+            <a:ext cx="6040120" cy="368300"/>
+          </a:xfrm>
+          <a:prstGeom prst="rect">
+            <a:avLst/>
+          </a:prstGeom>
+          <a:noFill/>
+        </p:spPr>
+        <p:txBody>
+          <a:bodyPr wrap="square" rtlCol="0">
+            <a:spAutoFit/>
+          </a:bodyPr>
+          <a:p>
+            <a:r>
+              <a:rPr lang="zh-CN" altLang="en-US" b="1">
+                <a:effectLst>
+                  <a:outerShdw blurRad="38100" dist="38100" dir="2700000" algn="tl">
+                    <a:srgbClr val="000000">
+                      <a:alpha val="43137"/>
+                    </a:srgbClr>
+                  </a:outerShdw>
+                </a:effectLst>
+              </a:rPr>
+              <a:t>信号相关函数</a:t>
+            </a:r>
+            <a:r>
+              <a:rPr lang="en-US" altLang="zh-CN" b="1">
+                <a:effectLst>
+                  <a:outerShdw blurRad="38100" dist="38100" dir="2700000" algn="tl">
+                    <a:srgbClr val="000000">
+                      <a:alpha val="43137"/>
+                    </a:srgbClr>
+                  </a:outerShdw>
+                </a:effectLst>
+              </a:rPr>
+              <a:t>_sigqueue</a:t>
+            </a:r>
+            <a:endParaRPr lang="en-US" altLang="en-US" b="1">
+              <a:effectLst>
+                <a:outerShdw blurRad="38100" dist="38100" dir="2700000" algn="tl">
+                  <a:srgbClr val="000000">
+                    <a:alpha val="43137"/>
+                  </a:srgbClr>
+                </a:outerShdw>
+              </a:effectLst>
+            </a:endParaRPr>
+          </a:p>
+        </p:txBody>
+      </p:sp>
+      <p:sp>
+        <p:nvSpPr>
+          <p:cNvPr id="7" name="Text Box 6"/>
+          <p:cNvSpPr txBox="true"/>
+          <p:nvPr/>
+        </p:nvSpPr>
+        <p:spPr>
+          <a:xfrm>
+            <a:off x="264160" y="1237615"/>
+            <a:ext cx="9882505" cy="1168400"/>
+          </a:xfrm>
+          <a:prstGeom prst="rect">
+            <a:avLst/>
+          </a:prstGeom>
+          <a:noFill/>
+        </p:spPr>
+        <p:txBody>
+          <a:bodyPr wrap="square" rtlCol="0">
+            <a:spAutoFit/>
+          </a:bodyPr>
+          <a:p>
+            <a:r>
+              <a:rPr lang="en-US" altLang="en-US" sz="1400" u="sng">
+                <a:latin typeface="Courier New" panose="02070309020205020404" charset="0"/>
+                <a:cs typeface="Courier New" panose="02070309020205020404" charset="0"/>
+              </a:rPr>
+              <a:t>int</a:t>
+            </a:r>
+            <a:r>
+              <a:rPr lang="" altLang="en-US" sz="1400" u="sng">
+                <a:latin typeface="Courier New" panose="02070309020205020404" charset="0"/>
+                <a:cs typeface="Courier New" panose="02070309020205020404" charset="0"/>
+              </a:rPr>
+              <a:t> sigqueue(pid_t pid, int signo, const union sigval value);</a:t>
+            </a:r>
+            <a:endParaRPr lang="" altLang="en-US" sz="1400" u="sng">
+              <a:latin typeface="Courier New" panose="02070309020205020404" charset="0"/>
+              <a:cs typeface="Courier New" panose="02070309020205020404" charset="0"/>
+            </a:endParaRPr>
+          </a:p>
+          <a:p>
+            <a:r>
+              <a:rPr lang="" altLang="en-US" sz="1400" u="sng">
+                <a:latin typeface="Courier New" panose="02070309020205020404" charset="0"/>
+                <a:cs typeface="Courier New" panose="02070309020205020404" charset="0"/>
+              </a:rPr>
+              <a:t>	//</a:t>
+            </a:r>
+            <a:r>
+              <a:rPr lang="zh-CN" altLang="" sz="1400" u="sng">
+                <a:latin typeface="Courier New" panose="02070309020205020404" charset="0"/>
+                <a:cs typeface="Courier New" panose="02070309020205020404" charset="0"/>
+              </a:rPr>
+              <a:t>成功，返回</a:t>
+            </a:r>
+            <a:r>
+              <a:rPr lang="en-US" altLang="zh-CN" sz="1400" u="sng">
+                <a:latin typeface="Courier New" panose="02070309020205020404" charset="0"/>
+                <a:cs typeface="Courier New" panose="02070309020205020404" charset="0"/>
+              </a:rPr>
+              <a:t>0</a:t>
+            </a:r>
+            <a:r>
+              <a:rPr lang="zh-CN" altLang="en-US" sz="1400" u="sng">
+                <a:latin typeface="Courier New" panose="02070309020205020404" charset="0"/>
+                <a:cs typeface="Courier New" panose="02070309020205020404" charset="0"/>
+              </a:rPr>
+              <a:t>，</a:t>
+            </a:r>
+            <a:r>
+              <a:rPr lang="en-US" altLang="zh-CN" sz="1400" u="sng">
+                <a:latin typeface="Courier New" panose="02070309020205020404" charset="0"/>
+                <a:cs typeface="Courier New" panose="02070309020205020404" charset="0"/>
+              </a:rPr>
+              <a:t> </a:t>
+            </a:r>
+            <a:r>
+              <a:rPr lang="zh-CN" altLang="en-US" sz="1400" u="sng">
+                <a:latin typeface="Courier New" panose="02070309020205020404" charset="0"/>
+                <a:cs typeface="Courier New" panose="02070309020205020404" charset="0"/>
+              </a:rPr>
+              <a:t>出错，返回</a:t>
+            </a:r>
+            <a:r>
+              <a:rPr lang="" altLang="zh-CN" sz="1400" u="sng">
+                <a:latin typeface="Courier New" panose="02070309020205020404" charset="0"/>
+                <a:cs typeface="Courier New" panose="02070309020205020404" charset="0"/>
+              </a:rPr>
+              <a:t>-1</a:t>
+            </a:r>
+            <a:endParaRPr lang="en-US" altLang="en-US" sz="1400" u="sng">
+              <a:latin typeface="Courier New" panose="02070309020205020404" charset="0"/>
+              <a:cs typeface="Courier New" panose="02070309020205020404" charset="0"/>
+            </a:endParaRPr>
+          </a:p>
+          <a:p>
+            <a:endParaRPr lang="en-US" altLang="en-US" sz="1400" u="sng">
+              <a:latin typeface="Courier New" panose="02070309020205020404" charset="0"/>
+              <a:cs typeface="Courier New" panose="02070309020205020404" charset="0"/>
+            </a:endParaRPr>
+          </a:p>
+          <a:p>
+            <a:endParaRPr lang="en-US" altLang="en-US" sz="1400" u="sng">
+              <a:latin typeface="Courier New" panose="02070309020205020404" charset="0"/>
+              <a:cs typeface="Courier New" panose="02070309020205020404" charset="0"/>
+            </a:endParaRPr>
+          </a:p>
+          <a:p>
+            <a:r>
+              <a:rPr lang="zh-CN" altLang="" sz="1400" u="sng">
+                <a:latin typeface="Courier New" panose="02070309020205020404" charset="0"/>
+                <a:cs typeface="Courier New" panose="02070309020205020404" charset="0"/>
+              </a:rPr>
+              <a:t>在</a:t>
+            </a:r>
+            <a:r>
+              <a:rPr lang="en-US" altLang="zh-CN" sz="1400" u="sng">
+                <a:latin typeface="Courier New" panose="02070309020205020404" charset="0"/>
+                <a:cs typeface="Courier New" panose="02070309020205020404" charset="0"/>
+              </a:rPr>
+              <a:t>linux</a:t>
+            </a:r>
+            <a:r>
+              <a:rPr lang="zh-CN" altLang="en-US" sz="1400" u="sng">
+                <a:latin typeface="Courier New" panose="02070309020205020404" charset="0"/>
+                <a:cs typeface="Courier New" panose="02070309020205020404" charset="0"/>
+              </a:rPr>
+              <a:t>下，排队只对</a:t>
+            </a:r>
+            <a:r>
+              <a:rPr lang="" altLang="zh-CN" sz="1400" u="sng">
+                <a:latin typeface="Courier New" panose="02070309020205020404" charset="0"/>
+                <a:cs typeface="Courier New" panose="02070309020205020404" charset="0"/>
+              </a:rPr>
+              <a:t>SIGRTMIN</a:t>
+            </a:r>
+            <a:r>
+              <a:rPr lang="en-US" altLang="" sz="1400" u="sng">
+                <a:latin typeface="Courier New" panose="02070309020205020404" charset="0"/>
+                <a:cs typeface="Courier New" panose="02070309020205020404" charset="0"/>
+              </a:rPr>
+              <a:t>-S</a:t>
+            </a:r>
+            <a:r>
+              <a:rPr lang="" altLang="en-US" sz="1400" u="sng">
+                <a:latin typeface="Courier New" panose="02070309020205020404" charset="0"/>
+                <a:cs typeface="Courier New" panose="02070309020205020404" charset="0"/>
+              </a:rPr>
+              <a:t>IGRTMAX</a:t>
+            </a:r>
+            <a:r>
+              <a:rPr lang="zh-CN" altLang="" sz="1400" u="sng">
+                <a:latin typeface="Courier New" panose="02070309020205020404" charset="0"/>
+                <a:cs typeface="Courier New" panose="02070309020205020404" charset="0"/>
+              </a:rPr>
+              <a:t>之间的信号起作用，</a:t>
+            </a:r>
+            <a:r>
+              <a:rPr lang="en-US" altLang="zh-CN" sz="1400" u="sng">
+                <a:latin typeface="Courier New" panose="02070309020205020404" charset="0"/>
+                <a:cs typeface="Courier New" panose="02070309020205020404" charset="0"/>
+              </a:rPr>
+              <a:t> </a:t>
+            </a:r>
+            <a:r>
+              <a:rPr lang="zh-CN" altLang="en-US" sz="1400" u="sng">
+                <a:latin typeface="Courier New" panose="02070309020205020404" charset="0"/>
+                <a:cs typeface="Courier New" panose="02070309020205020404" charset="0"/>
+              </a:rPr>
+              <a:t>针对于该范围外的信号，只起到信号传参的作用</a:t>
+            </a:r>
+            <a:endParaRPr lang="zh-CN" altLang="en-US" sz="1400" u="sng">
+              <a:latin typeface="Courier New" panose="02070309020205020404" charset="0"/>
+              <a:cs typeface="Courier New" panose="02070309020205020404" charset="0"/>
+            </a:endParaRPr>
+          </a:p>
+        </p:txBody>
+      </p:sp>
+    </p:spTree>
+  </p:cSld>
+  <p:clrMapOvr>
+    <a:masterClrMapping/>
+  </p:clrMapOvr>
+</p:sld>
+</file>
+
+<file path=ppt/slides/slide25.xml><?xml version="1.0" encoding="utf-8"?>
+<p:sld xmlns:a="http://schemas.openxmlformats.org/drawingml/2006/main" xmlns:r="http://schemas.openxmlformats.org/officeDocument/2006/relationships" xmlns:p="http://schemas.openxmlformats.org/presentationml/2006/main">
+  <p:cSld>
+    <p:spTree>
+      <p:nvGrpSpPr>
+        <p:cNvPr id="1" name=""/>
+        <p:cNvGrpSpPr/>
+        <p:nvPr/>
+      </p:nvGrpSpPr>
+      <p:grpSpPr/>
+      <p:sp>
+        <p:nvSpPr>
+          <p:cNvPr id="2" name="Text Box 1"/>
+          <p:cNvSpPr txBox="true"/>
+          <p:nvPr/>
+        </p:nvSpPr>
+        <p:spPr>
+          <a:xfrm>
+            <a:off x="35560" y="25400"/>
+            <a:ext cx="6040120" cy="368300"/>
+          </a:xfrm>
+          <a:prstGeom prst="rect">
+            <a:avLst/>
+          </a:prstGeom>
+          <a:noFill/>
+        </p:spPr>
+        <p:txBody>
+          <a:bodyPr wrap="square" rtlCol="0">
+            <a:spAutoFit/>
+          </a:bodyPr>
+          <a:p>
+            <a:r>
+              <a:rPr lang="zh-CN" altLang="en-US" b="1">
+                <a:effectLst>
+                  <a:outerShdw blurRad="38100" dist="38100" dir="2700000" algn="tl">
+                    <a:srgbClr val="000000">
+                      <a:alpha val="43137"/>
+                    </a:srgbClr>
+                  </a:outerShdw>
+                </a:effectLst>
+              </a:rPr>
+              <a:t>信号</a:t>
+            </a:r>
+            <a:r>
+              <a:rPr lang="en-US" altLang="zh-CN" b="1">
+                <a:effectLst>
+                  <a:outerShdw blurRad="38100" dist="38100" dir="2700000" algn="tl">
+                    <a:srgbClr val="000000">
+                      <a:alpha val="43137"/>
+                    </a:srgbClr>
+                  </a:outerShdw>
+                </a:effectLst>
+              </a:rPr>
+              <a:t>——</a:t>
+            </a:r>
+            <a:r>
+              <a:rPr lang="zh-CN" altLang="en-US" b="1">
+                <a:effectLst>
+                  <a:outerShdw blurRad="38100" dist="38100" dir="2700000" algn="tl">
+                    <a:srgbClr val="000000">
+                      <a:alpha val="43137"/>
+                    </a:srgbClr>
+                  </a:outerShdw>
+                </a:effectLst>
+              </a:rPr>
+              <a:t>作业控制信号</a:t>
+            </a:r>
+            <a:endParaRPr lang="zh-CN" altLang="en-US" b="1">
+              <a:effectLst>
+                <a:outerShdw blurRad="38100" dist="38100" dir="2700000" algn="tl">
+                  <a:srgbClr val="000000">
+                    <a:alpha val="43137"/>
+                  </a:srgbClr>
+                </a:outerShdw>
+              </a:effectLst>
+            </a:endParaRPr>
+          </a:p>
+        </p:txBody>
+      </p:sp>
+      <p:sp>
+        <p:nvSpPr>
+          <p:cNvPr id="7" name="Text Box 6"/>
+          <p:cNvSpPr txBox="true"/>
+          <p:nvPr/>
+        </p:nvSpPr>
+        <p:spPr>
+          <a:xfrm>
+            <a:off x="264160" y="1237615"/>
+            <a:ext cx="6320790" cy="2461260"/>
+          </a:xfrm>
+          <a:prstGeom prst="rect">
+            <a:avLst/>
+          </a:prstGeom>
+          <a:noFill/>
+        </p:spPr>
+        <p:txBody>
+          <a:bodyPr wrap="square" rtlCol="0">
+            <a:spAutoFit/>
+          </a:bodyPr>
+          <a:p>
+            <a:r>
+              <a:rPr lang="en-US" altLang="zh-CN" sz="1400" u="sng">
+                <a:latin typeface="Courier New" panose="02070309020205020404" charset="0"/>
+                <a:cs typeface="Courier New" panose="02070309020205020404" charset="0"/>
+              </a:rPr>
+              <a:t>SIGCHLD</a:t>
+            </a:r>
+            <a:r>
+              <a:rPr lang="zh-CN" altLang="en-US" sz="1400" u="sng">
+                <a:latin typeface="Courier New" panose="02070309020205020404" charset="0"/>
+                <a:cs typeface="Courier New" panose="02070309020205020404" charset="0"/>
+              </a:rPr>
+              <a:t>：子进程已经停止或者终止</a:t>
+            </a:r>
+            <a:endParaRPr lang="en-US" altLang="zh-CN" sz="1400" u="sng">
+              <a:latin typeface="Courier New" panose="02070309020205020404" charset="0"/>
+              <a:cs typeface="Courier New" panose="02070309020205020404" charset="0"/>
+            </a:endParaRPr>
+          </a:p>
+          <a:p>
+            <a:endParaRPr lang="en-US" altLang="zh-CN" sz="1400" u="sng">
+              <a:latin typeface="Courier New" panose="02070309020205020404" charset="0"/>
+              <a:cs typeface="Courier New" panose="02070309020205020404" charset="0"/>
+            </a:endParaRPr>
+          </a:p>
+          <a:p>
+            <a:r>
+              <a:rPr lang="en-US" altLang="zh-CN" sz="1400" u="sng">
+                <a:latin typeface="Courier New" panose="02070309020205020404" charset="0"/>
+                <a:cs typeface="Courier New" panose="02070309020205020404" charset="0"/>
+              </a:rPr>
+              <a:t>SIGCONT</a:t>
+            </a:r>
+            <a:r>
+              <a:rPr lang="zh-CN" altLang="en-US" sz="1400" u="sng">
+                <a:latin typeface="Courier New" panose="02070309020205020404" charset="0"/>
+                <a:cs typeface="Courier New" panose="02070309020205020404" charset="0"/>
+              </a:rPr>
+              <a:t>：如果进程已经终止，则让其继续运行</a:t>
+            </a:r>
+            <a:endParaRPr lang="en-US" altLang="zh-CN" sz="1400" u="sng">
+              <a:latin typeface="Courier New" panose="02070309020205020404" charset="0"/>
+              <a:cs typeface="Courier New" panose="02070309020205020404" charset="0"/>
+            </a:endParaRPr>
+          </a:p>
+          <a:p>
+            <a:endParaRPr lang="en-US" altLang="zh-CN" sz="1400" u="sng">
+              <a:latin typeface="Courier New" panose="02070309020205020404" charset="0"/>
+              <a:cs typeface="Courier New" panose="02070309020205020404" charset="0"/>
+            </a:endParaRPr>
+          </a:p>
+          <a:p>
+            <a:r>
+              <a:rPr lang="en-US" altLang="zh-CN" sz="1400" u="sng">
+                <a:latin typeface="Courier New" panose="02070309020205020404" charset="0"/>
+                <a:cs typeface="Courier New" panose="02070309020205020404" charset="0"/>
+              </a:rPr>
+              <a:t>SIGSTOP</a:t>
+            </a:r>
+            <a:r>
+              <a:rPr lang="zh-CN" altLang="en-US" sz="1400" u="sng">
+                <a:latin typeface="Courier New" panose="02070309020205020404" charset="0"/>
+                <a:cs typeface="Courier New" panose="02070309020205020404" charset="0"/>
+              </a:rPr>
+              <a:t>：停止信号</a:t>
+            </a:r>
+            <a:endParaRPr lang="en-US" altLang="zh-CN" sz="1400" u="sng">
+              <a:latin typeface="Courier New" panose="02070309020205020404" charset="0"/>
+              <a:cs typeface="Courier New" panose="02070309020205020404" charset="0"/>
+            </a:endParaRPr>
+          </a:p>
+          <a:p>
+            <a:endParaRPr lang="en-US" altLang="zh-CN" sz="1400" u="sng">
+              <a:latin typeface="Courier New" panose="02070309020205020404" charset="0"/>
+              <a:cs typeface="Courier New" panose="02070309020205020404" charset="0"/>
+            </a:endParaRPr>
+          </a:p>
+          <a:p>
+            <a:r>
+              <a:rPr lang="en-US" altLang="zh-CN" sz="1400" u="sng">
+                <a:latin typeface="Courier New" panose="02070309020205020404" charset="0"/>
+                <a:cs typeface="Courier New" panose="02070309020205020404" charset="0"/>
+              </a:rPr>
+              <a:t>SIGTSTP</a:t>
+            </a:r>
+            <a:r>
+              <a:rPr lang="zh-CN" altLang="en-US" sz="1400" u="sng">
+                <a:latin typeface="Courier New" panose="02070309020205020404" charset="0"/>
+                <a:cs typeface="Courier New" panose="02070309020205020404" charset="0"/>
+              </a:rPr>
+              <a:t>：交互式停止</a:t>
+            </a:r>
+            <a:endParaRPr lang="en-US" altLang="zh-CN" sz="1400" u="sng">
+              <a:latin typeface="Courier New" panose="02070309020205020404" charset="0"/>
+              <a:cs typeface="Courier New" panose="02070309020205020404" charset="0"/>
+            </a:endParaRPr>
+          </a:p>
+          <a:p>
+            <a:endParaRPr lang="en-US" altLang="zh-CN" sz="1400" u="sng">
+              <a:latin typeface="Courier New" panose="02070309020205020404" charset="0"/>
+              <a:cs typeface="Courier New" panose="02070309020205020404" charset="0"/>
+            </a:endParaRPr>
+          </a:p>
+          <a:p>
+            <a:r>
+              <a:rPr lang="en-US" altLang="zh-CN" sz="1400" u="sng">
+                <a:latin typeface="Courier New" panose="02070309020205020404" charset="0"/>
+                <a:cs typeface="Courier New" panose="02070309020205020404" charset="0"/>
+              </a:rPr>
+              <a:t>SIGTTIN</a:t>
+            </a:r>
+            <a:r>
+              <a:rPr lang="zh-CN" altLang="en-US" sz="1400" u="sng">
+                <a:latin typeface="Courier New" panose="02070309020205020404" charset="0"/>
+                <a:cs typeface="Courier New" panose="02070309020205020404" charset="0"/>
+              </a:rPr>
+              <a:t>：后台进程组试图读终端</a:t>
+            </a:r>
+            <a:endParaRPr lang="en-US" altLang="zh-CN" sz="1400" u="sng">
+              <a:latin typeface="Courier New" panose="02070309020205020404" charset="0"/>
+              <a:cs typeface="Courier New" panose="02070309020205020404" charset="0"/>
+            </a:endParaRPr>
+          </a:p>
+          <a:p>
+            <a:endParaRPr lang="en-US" altLang="zh-CN" sz="1400" u="sng">
+              <a:latin typeface="Courier New" panose="02070309020205020404" charset="0"/>
+              <a:cs typeface="Courier New" panose="02070309020205020404" charset="0"/>
+            </a:endParaRPr>
+          </a:p>
+          <a:p>
+            <a:r>
+              <a:rPr lang="en-US" altLang="zh-CN" sz="1400" u="sng">
+                <a:latin typeface="Courier New" panose="02070309020205020404" charset="0"/>
+                <a:cs typeface="Courier New" panose="02070309020205020404" charset="0"/>
+              </a:rPr>
+              <a:t>SIGTTOU</a:t>
+            </a:r>
+            <a:r>
+              <a:rPr lang="zh-CN" altLang="en-US" sz="1400" u="sng">
+                <a:latin typeface="Courier New" panose="02070309020205020404" charset="0"/>
+                <a:cs typeface="Courier New" panose="02070309020205020404" charset="0"/>
+              </a:rPr>
+              <a:t>：后台进程组视图写终端</a:t>
+            </a:r>
+            <a:endParaRPr lang="zh-CN" altLang="en-US" sz="1400" u="sng">
+              <a:latin typeface="Courier New" panose="02070309020205020404" charset="0"/>
+              <a:cs typeface="Courier New" panose="02070309020205020404" charset="0"/>
+            </a:endParaRPr>
+          </a:p>
+        </p:txBody>
+      </p:sp>
+      <p:sp>
+        <p:nvSpPr>
+          <p:cNvPr id="3" name="Rectangle 2"/>
+          <p:cNvSpPr/>
+          <p:nvPr/>
+        </p:nvSpPr>
+        <p:spPr>
+          <a:xfrm>
+            <a:off x="224790" y="2121535"/>
+            <a:ext cx="3140075" cy="1750695"/>
+          </a:xfrm>
+          <a:prstGeom prst="rect">
+            <a:avLst/>
+          </a:prstGeom>
+          <a:noFill/>
+          <a:ln>
+            <a:solidFill>
+              <a:srgbClr val="FF0000"/>
+            </a:solidFill>
+          </a:ln>
+          <a:extLst>
+            <a:ext uri="{909E8E84-426E-40DD-AFC4-6F175D3DCCD1}">
+              <a14:hiddenFill xmlns:a14="http://schemas.microsoft.com/office/drawing/2010/main">
+                <a:solidFill>
+                  <a:schemeClr val="accent1"/>
+                </a:solidFill>
+              </a14:hiddenFill>
+            </a:ext>
+          </a:extLst>
+        </p:spPr>
+        <p:style>
+          <a:lnRef idx="2">
+            <a:schemeClr val="accent1">
+              <a:shade val="50000"/>
+            </a:schemeClr>
+          </a:lnRef>
+          <a:fillRef idx="1">
+            <a:schemeClr val="accent1"/>
+          </a:fillRef>
+          <a:effectRef idx="0">
+            <a:schemeClr val="accent1"/>
+          </a:effectRef>
+          <a:fontRef idx="minor">
+            <a:schemeClr val="lt1"/>
+          </a:fontRef>
+        </p:style>
+        <p:txBody>
+          <a:bodyPr rtlCol="0" anchor="ctr"/>
+          <a:p>
+            <a:pPr algn="ctr"/>
+            <a:endParaRPr lang="en-US"/>
+          </a:p>
+        </p:txBody>
+      </p:sp>
+      <p:sp>
+        <p:nvSpPr>
+          <p:cNvPr id="4" name="Text Box 3"/>
+          <p:cNvSpPr txBox="true"/>
+          <p:nvPr/>
+        </p:nvSpPr>
+        <p:spPr>
+          <a:xfrm>
+            <a:off x="3961765" y="2891790"/>
+            <a:ext cx="7839710" cy="1198880"/>
+          </a:xfrm>
+          <a:prstGeom prst="rect">
+            <a:avLst/>
+          </a:prstGeom>
+          <a:noFill/>
+        </p:spPr>
+        <p:txBody>
+          <a:bodyPr wrap="square" rtlCol="0">
+            <a:spAutoFit/>
+          </a:bodyPr>
+          <a:p>
+            <a:r>
+              <a:rPr lang="en-US" altLang="zh-CN" sz="1200" b="1" u="sng">
+                <a:latin typeface="Courier New" panose="02070309020205020404" charset="0"/>
+                <a:cs typeface="Courier New" panose="02070309020205020404" charset="0"/>
+              </a:rPr>
+              <a:t>1. </a:t>
+            </a:r>
+            <a:r>
+              <a:rPr lang="zh-CN" altLang="en-US" sz="1200" b="1" u="sng">
+                <a:latin typeface="Courier New" panose="02070309020205020404" charset="0"/>
+                <a:cs typeface="Courier New" panose="02070309020205020404" charset="0"/>
+              </a:rPr>
+              <a:t>当对一个进程产生四种停止信号的任意一种时，</a:t>
+            </a:r>
+            <a:r>
+              <a:rPr lang="en-US" altLang="zh-CN" sz="1200" b="1" u="sng">
+                <a:latin typeface="Courier New" panose="02070309020205020404" charset="0"/>
+                <a:cs typeface="Courier New" panose="02070309020205020404" charset="0"/>
+              </a:rPr>
+              <a:t> </a:t>
+            </a:r>
+            <a:r>
+              <a:rPr lang="zh-CN" altLang="en-US" sz="1200" b="1" u="sng">
+                <a:latin typeface="Courier New" panose="02070309020205020404" charset="0"/>
+                <a:cs typeface="Courier New" panose="02070309020205020404" charset="0"/>
+              </a:rPr>
+              <a:t>对该进程的</a:t>
+            </a:r>
+            <a:r>
+              <a:rPr lang="en-US" altLang="zh-CN" sz="1200" b="1" u="sng">
+                <a:latin typeface="Courier New" panose="02070309020205020404" charset="0"/>
+                <a:cs typeface="Courier New" panose="02070309020205020404" charset="0"/>
+              </a:rPr>
+              <a:t>SIGCONT</a:t>
+            </a:r>
+            <a:r>
+              <a:rPr lang="zh-CN" altLang="en-US" sz="1200" b="1" u="sng">
+                <a:latin typeface="Courier New" panose="02070309020205020404" charset="0"/>
+                <a:cs typeface="Courier New" panose="02070309020205020404" charset="0"/>
+              </a:rPr>
+              <a:t>未决信号就被丢弃，</a:t>
+            </a:r>
+            <a:r>
+              <a:rPr lang="en-US" altLang="zh-CN" sz="1200" b="1" u="sng">
+                <a:latin typeface="Courier New" panose="02070309020205020404" charset="0"/>
+                <a:cs typeface="Courier New" panose="02070309020205020404" charset="0"/>
+              </a:rPr>
+              <a:t> </a:t>
+            </a:r>
+            <a:r>
+              <a:rPr lang="zh-CN" altLang="en-US" sz="1200" b="1" u="sng">
+                <a:latin typeface="Courier New" panose="02070309020205020404" charset="0"/>
+                <a:cs typeface="Courier New" panose="02070309020205020404" charset="0"/>
+              </a:rPr>
+              <a:t>当对一个进程产生</a:t>
+            </a:r>
+            <a:r>
+              <a:rPr lang="en-US" altLang="zh-CN" sz="1200" b="1" u="sng">
+                <a:latin typeface="Courier New" panose="02070309020205020404" charset="0"/>
+                <a:cs typeface="Courier New" panose="02070309020205020404" charset="0"/>
+              </a:rPr>
+              <a:t>SIGCONT</a:t>
+            </a:r>
+            <a:r>
+              <a:rPr lang="zh-CN" altLang="en-US" sz="1200" b="1" u="sng">
+                <a:latin typeface="Courier New" panose="02070309020205020404" charset="0"/>
+                <a:cs typeface="Courier New" panose="02070309020205020404" charset="0"/>
+              </a:rPr>
+              <a:t>，</a:t>
+            </a:r>
+            <a:r>
+              <a:rPr lang="en-US" altLang="zh-CN" sz="1200" b="1" u="sng">
+                <a:latin typeface="Courier New" panose="02070309020205020404" charset="0"/>
+                <a:cs typeface="Courier New" panose="02070309020205020404" charset="0"/>
+              </a:rPr>
+              <a:t> </a:t>
+            </a:r>
+            <a:r>
+              <a:rPr lang="zh-CN" altLang="en-US" sz="1200" b="1" u="sng">
+                <a:latin typeface="Courier New" panose="02070309020205020404" charset="0"/>
+                <a:cs typeface="Courier New" panose="02070309020205020404" charset="0"/>
+              </a:rPr>
+              <a:t>对该进程的任一未决停止信号被丢弃</a:t>
+            </a:r>
+            <a:endParaRPr lang="zh-CN" altLang="en-US" sz="1200" b="1" u="sng">
+              <a:latin typeface="Courier New" panose="02070309020205020404" charset="0"/>
+              <a:cs typeface="Courier New" panose="02070309020205020404" charset="0"/>
+            </a:endParaRPr>
+          </a:p>
+          <a:p>
+            <a:endParaRPr lang="zh-CN" altLang="en-US" sz="1200" b="1" u="sng">
+              <a:latin typeface="Courier New" panose="02070309020205020404" charset="0"/>
+              <a:cs typeface="Courier New" panose="02070309020205020404" charset="0"/>
+            </a:endParaRPr>
+          </a:p>
+          <a:p>
+            <a:r>
+              <a:rPr lang="en-US" altLang="zh-CN" sz="1200" b="1" u="sng">
+                <a:latin typeface="Courier New" panose="02070309020205020404" charset="0"/>
+                <a:cs typeface="Courier New" panose="02070309020205020404" charset="0"/>
+              </a:rPr>
+              <a:t>2. </a:t>
+            </a:r>
+            <a:r>
+              <a:rPr lang="zh-CN" altLang="en-US" sz="1200" b="1" u="sng">
+                <a:latin typeface="Courier New" panose="02070309020205020404" charset="0"/>
+                <a:cs typeface="Courier New" panose="02070309020205020404" charset="0"/>
+              </a:rPr>
+              <a:t>当对一个停止的信号产生一个</a:t>
+            </a:r>
+            <a:r>
+              <a:rPr lang="en-US" altLang="zh-CN" sz="1200" b="1" u="sng">
+                <a:latin typeface="Courier New" panose="02070309020205020404" charset="0"/>
+                <a:cs typeface="Courier New" panose="02070309020205020404" charset="0"/>
+              </a:rPr>
+              <a:t>SIGCONT</a:t>
+            </a:r>
+            <a:r>
+              <a:rPr lang="zh-CN" altLang="en-US" sz="1200" b="1" u="sng">
+                <a:latin typeface="Courier New" panose="02070309020205020404" charset="0"/>
+                <a:cs typeface="Courier New" panose="02070309020205020404" charset="0"/>
+              </a:rPr>
+              <a:t>信号的时，</a:t>
+            </a:r>
+            <a:r>
+              <a:rPr lang="en-US" altLang="zh-CN" sz="1200" b="1" u="sng">
+                <a:latin typeface="Courier New" panose="02070309020205020404" charset="0"/>
+                <a:cs typeface="Courier New" panose="02070309020205020404" charset="0"/>
+              </a:rPr>
+              <a:t> </a:t>
+            </a:r>
+            <a:r>
+              <a:rPr lang="zh-CN" altLang="en-US" sz="1200" b="1" u="sng">
+                <a:latin typeface="Courier New" panose="02070309020205020404" charset="0"/>
+                <a:cs typeface="Courier New" panose="02070309020205020404" charset="0"/>
+              </a:rPr>
+              <a:t>该进程就继续，</a:t>
+            </a:r>
+            <a:r>
+              <a:rPr lang="en-US" altLang="zh-CN" sz="1200" b="1" u="sng">
+                <a:latin typeface="Courier New" panose="02070309020205020404" charset="0"/>
+                <a:cs typeface="Courier New" panose="02070309020205020404" charset="0"/>
+              </a:rPr>
+              <a:t> </a:t>
+            </a:r>
+            <a:r>
+              <a:rPr lang="zh-CN" altLang="en-US" sz="1200" b="1" u="sng">
+                <a:latin typeface="Courier New" panose="02070309020205020404" charset="0"/>
+                <a:cs typeface="Courier New" panose="02070309020205020404" charset="0"/>
+              </a:rPr>
+              <a:t>即使该信号是被阻塞或忽略，</a:t>
+            </a:r>
+            <a:r>
+              <a:rPr lang="en-US" altLang="zh-CN" sz="1200" b="1" u="sng">
+                <a:latin typeface="Courier New" panose="02070309020205020404" charset="0"/>
+                <a:cs typeface="Courier New" panose="02070309020205020404" charset="0"/>
+              </a:rPr>
+              <a:t> </a:t>
+            </a:r>
+            <a:r>
+              <a:rPr lang="zh-CN" altLang="en-US" sz="1200" b="1" u="sng">
+                <a:solidFill>
+                  <a:srgbClr val="FF0000"/>
+                </a:solidFill>
+                <a:latin typeface="Courier New" panose="02070309020205020404" charset="0"/>
+                <a:cs typeface="Courier New" panose="02070309020205020404" charset="0"/>
+              </a:rPr>
+              <a:t>说明，</a:t>
+            </a:r>
+            <a:r>
+              <a:rPr lang="en-US" altLang="zh-CN" sz="1200" b="1" u="sng">
+                <a:solidFill>
+                  <a:srgbClr val="FF0000"/>
+                </a:solidFill>
+                <a:latin typeface="Courier New" panose="02070309020205020404" charset="0"/>
+                <a:cs typeface="Courier New" panose="02070309020205020404" charset="0"/>
+              </a:rPr>
+              <a:t> </a:t>
+            </a:r>
+            <a:r>
+              <a:rPr lang="zh-CN" altLang="en-US" sz="1200" b="1" u="sng">
+                <a:solidFill>
+                  <a:srgbClr val="FF0000"/>
+                </a:solidFill>
+                <a:latin typeface="Courier New" panose="02070309020205020404" charset="0"/>
+                <a:cs typeface="Courier New" panose="02070309020205020404" charset="0"/>
+              </a:rPr>
+              <a:t>如果进程设置了阻塞</a:t>
+            </a:r>
+            <a:r>
+              <a:rPr lang="en-US" altLang="zh-CN" sz="1200" b="1" u="sng">
+                <a:solidFill>
+                  <a:srgbClr val="FF0000"/>
+                </a:solidFill>
+                <a:latin typeface="Courier New" panose="02070309020205020404" charset="0"/>
+                <a:cs typeface="Courier New" panose="02070309020205020404" charset="0"/>
+              </a:rPr>
+              <a:t>SIGCONT</a:t>
+            </a:r>
+            <a:r>
+              <a:rPr lang="zh-CN" altLang="en-US" sz="1200" b="1" u="sng">
+                <a:solidFill>
+                  <a:srgbClr val="FF0000"/>
+                </a:solidFill>
+                <a:latin typeface="Courier New" panose="02070309020205020404" charset="0"/>
+                <a:cs typeface="Courier New" panose="02070309020205020404" charset="0"/>
+              </a:rPr>
+              <a:t>，</a:t>
+            </a:r>
+            <a:r>
+              <a:rPr lang="en-US" altLang="zh-CN" sz="1200" b="1" u="sng">
+                <a:solidFill>
+                  <a:srgbClr val="FF0000"/>
+                </a:solidFill>
+                <a:latin typeface="Courier New" panose="02070309020205020404" charset="0"/>
+                <a:cs typeface="Courier New" panose="02070309020205020404" charset="0"/>
+              </a:rPr>
+              <a:t> </a:t>
+            </a:r>
+            <a:r>
+              <a:rPr lang="zh-CN" altLang="en-US" sz="1200" b="1" u="sng">
+                <a:solidFill>
+                  <a:srgbClr val="FF0000"/>
+                </a:solidFill>
+                <a:latin typeface="Courier New" panose="02070309020205020404" charset="0"/>
+                <a:cs typeface="Courier New" panose="02070309020205020404" charset="0"/>
+              </a:rPr>
+              <a:t>这样如果收到一个</a:t>
+            </a:r>
+            <a:r>
+              <a:rPr lang="en-US" altLang="zh-CN" sz="1200" b="1" u="sng">
+                <a:solidFill>
+                  <a:srgbClr val="FF0000"/>
+                </a:solidFill>
+                <a:latin typeface="Courier New" panose="02070309020205020404" charset="0"/>
+                <a:cs typeface="Courier New" panose="02070309020205020404" charset="0"/>
+              </a:rPr>
+              <a:t>SIGCONT</a:t>
+            </a:r>
+            <a:r>
+              <a:rPr lang="zh-CN" altLang="en-US" sz="1200" b="1" u="sng">
+                <a:solidFill>
+                  <a:srgbClr val="FF0000"/>
+                </a:solidFill>
+                <a:latin typeface="Courier New" panose="02070309020205020404" charset="0"/>
+                <a:cs typeface="Courier New" panose="02070309020205020404" charset="0"/>
+              </a:rPr>
+              <a:t>，</a:t>
+            </a:r>
+            <a:r>
+              <a:rPr lang="en-US" altLang="zh-CN" sz="1200" b="1" u="sng">
+                <a:solidFill>
+                  <a:srgbClr val="FF0000"/>
+                </a:solidFill>
+                <a:latin typeface="Courier New" panose="02070309020205020404" charset="0"/>
+                <a:cs typeface="Courier New" panose="02070309020205020404" charset="0"/>
+              </a:rPr>
+              <a:t> </a:t>
+            </a:r>
+            <a:r>
+              <a:rPr lang="zh-CN" altLang="en-US" sz="1200" b="1" u="sng">
+                <a:solidFill>
+                  <a:srgbClr val="FF0000"/>
+                </a:solidFill>
+                <a:latin typeface="Courier New" panose="02070309020205020404" charset="0"/>
+                <a:cs typeface="Courier New" panose="02070309020205020404" charset="0"/>
+              </a:rPr>
+              <a:t>会表现在未决信号集中，但是信号还是会导致停止的信号继续工作。</a:t>
+            </a:r>
+            <a:endParaRPr lang="zh-CN" altLang="en-US" sz="1200" b="1" u="sng">
+              <a:solidFill>
+                <a:srgbClr val="FF0000"/>
+              </a:solidFill>
+              <a:latin typeface="Courier New" panose="02070309020205020404" charset="0"/>
+              <a:cs typeface="Courier New" panose="02070309020205020404" charset="0"/>
+            </a:endParaRPr>
+          </a:p>
+        </p:txBody>
+      </p:sp>
+    </p:spTree>
+  </p:cSld>
+  <p:clrMapOvr>
+    <a:masterClrMapping/>
+  </p:clrMapOvr>
+</p:sld>
+</file>
+
+<file path=ppt/slides/slide26.xml><?xml version="1.0" encoding="utf-8"?>
+<p:sld xmlns:a="http://schemas.openxmlformats.org/drawingml/2006/main" xmlns:r="http://schemas.openxmlformats.org/officeDocument/2006/relationships" xmlns:p="http://schemas.openxmlformats.org/presentationml/2006/main">
+  <p:cSld>
+    <p:spTree>
+      <p:nvGrpSpPr>
+        <p:cNvPr id="1" name=""/>
+        <p:cNvGrpSpPr/>
+        <p:nvPr/>
+      </p:nvGrpSpPr>
+      <p:grpSpPr/>
+      <p:sp>
+        <p:nvSpPr>
+          <p:cNvPr id="2" name="Text Box 1"/>
+          <p:cNvSpPr txBox="true"/>
+          <p:nvPr/>
+        </p:nvSpPr>
+        <p:spPr>
+          <a:xfrm>
+            <a:off x="35560" y="25400"/>
+            <a:ext cx="6040120" cy="368300"/>
+          </a:xfrm>
+          <a:prstGeom prst="rect">
+            <a:avLst/>
+          </a:prstGeom>
+          <a:noFill/>
+        </p:spPr>
+        <p:txBody>
+          <a:bodyPr wrap="square" rtlCol="0">
+            <a:spAutoFit/>
+          </a:bodyPr>
+          <a:p>
+            <a:r>
+              <a:rPr lang="zh-CN" altLang="en-US" b="1">
+                <a:effectLst>
+                  <a:outerShdw blurRad="38100" dist="38100" dir="2700000" algn="tl">
+                    <a:srgbClr val="000000">
+                      <a:alpha val="43137"/>
+                    </a:srgbClr>
+                  </a:outerShdw>
+                </a:effectLst>
+              </a:rPr>
+              <a:t>信号相关函数</a:t>
+            </a:r>
+            <a:r>
+              <a:rPr lang="en-US" altLang="zh-CN" b="1">
+                <a:effectLst>
+                  <a:outerShdw blurRad="38100" dist="38100" dir="2700000" algn="tl">
+                    <a:srgbClr val="000000">
+                      <a:alpha val="43137"/>
+                    </a:srgbClr>
+                  </a:outerShdw>
+                </a:effectLst>
+              </a:rPr>
+              <a:t>_</a:t>
+            </a:r>
+            <a:r>
+              <a:rPr lang="zh-CN" altLang="en-US" b="1">
+                <a:effectLst>
+                  <a:outerShdw blurRad="38100" dist="38100" dir="2700000" algn="tl">
+                    <a:srgbClr val="000000">
+                      <a:alpha val="43137"/>
+                    </a:srgbClr>
+                  </a:outerShdw>
+                </a:effectLst>
+              </a:rPr>
+              <a:t>信号编号与信号名映射</a:t>
+            </a:r>
+            <a:endParaRPr lang="zh-CN" altLang="en-US" b="1">
+              <a:effectLst>
+                <a:outerShdw blurRad="38100" dist="38100" dir="2700000" algn="tl">
+                  <a:srgbClr val="000000">
+                    <a:alpha val="43137"/>
+                  </a:srgbClr>
+                </a:outerShdw>
+              </a:effectLst>
+            </a:endParaRPr>
+          </a:p>
+        </p:txBody>
+      </p:sp>
+      <p:sp>
+        <p:nvSpPr>
+          <p:cNvPr id="7" name="Text Box 6"/>
+          <p:cNvSpPr txBox="true"/>
+          <p:nvPr/>
+        </p:nvSpPr>
+        <p:spPr>
+          <a:xfrm>
+            <a:off x="203835" y="1228725"/>
+            <a:ext cx="9882505" cy="306705"/>
+          </a:xfrm>
+          <a:prstGeom prst="rect">
+            <a:avLst/>
+          </a:prstGeom>
+          <a:noFill/>
+        </p:spPr>
+        <p:txBody>
+          <a:bodyPr wrap="square" rtlCol="0">
+            <a:spAutoFit/>
+          </a:bodyPr>
+          <a:p>
+            <a:r>
+              <a:rPr lang="en-US" altLang="zh-CN" sz="1400">
+                <a:latin typeface="Courier New" panose="02070309020205020404" charset="0"/>
+                <a:cs typeface="Courier New" panose="02070309020205020404" charset="0"/>
+              </a:rPr>
+              <a:t>con</a:t>
+            </a:r>
+            <a:r>
+              <a:rPr lang="" altLang="en-US" sz="1400">
+                <a:latin typeface="Courier New" panose="02070309020205020404" charset="0"/>
+                <a:cs typeface="Courier New" panose="02070309020205020404" charset="0"/>
+              </a:rPr>
+              <a:t>st char *const *_sys_siglist;  //</a:t>
+            </a:r>
+            <a:r>
+              <a:rPr lang="zh-CN" altLang="" sz="1400">
+                <a:latin typeface="Courier New" panose="02070309020205020404" charset="0"/>
+                <a:cs typeface="Courier New" panose="02070309020205020404" charset="0"/>
+              </a:rPr>
+              <a:t>位于</a:t>
+            </a:r>
+            <a:r>
+              <a:rPr lang="en-US" altLang="zh-CN" sz="1400">
+                <a:latin typeface="Courier New" panose="02070309020205020404" charset="0"/>
+                <a:cs typeface="Courier New" panose="02070309020205020404" charset="0"/>
+              </a:rPr>
+              <a:t>signal</a:t>
+            </a:r>
+            <a:r>
+              <a:rPr lang="" altLang="en-US" sz="1400">
+                <a:latin typeface="Courier New" panose="02070309020205020404" charset="0"/>
+                <a:cs typeface="Courier New" panose="02070309020205020404" charset="0"/>
+              </a:rPr>
+              <a:t>.h, </a:t>
+            </a:r>
+            <a:r>
+              <a:rPr lang="zh-CN" altLang="" sz="1400">
+                <a:latin typeface="Courier New" panose="02070309020205020404" charset="0"/>
+                <a:cs typeface="Courier New" panose="02070309020205020404" charset="0"/>
+              </a:rPr>
+              <a:t>是一个存储对应信号名称的字符串指针数组</a:t>
+            </a:r>
+            <a:endParaRPr lang="zh-CN" altLang="" sz="1400">
+              <a:latin typeface="Courier New" panose="02070309020205020404" charset="0"/>
+              <a:cs typeface="Courier New" panose="02070309020205020404" charset="0"/>
+            </a:endParaRPr>
+          </a:p>
+        </p:txBody>
+      </p:sp>
+      <p:sp>
+        <p:nvSpPr>
+          <p:cNvPr id="3" name="Text Box 2"/>
+          <p:cNvSpPr txBox="true"/>
+          <p:nvPr/>
+        </p:nvSpPr>
+        <p:spPr>
+          <a:xfrm>
+            <a:off x="203835" y="2037080"/>
+            <a:ext cx="9882505" cy="2245360"/>
+          </a:xfrm>
+          <a:prstGeom prst="rect">
+            <a:avLst/>
+          </a:prstGeom>
+          <a:noFill/>
+        </p:spPr>
+        <p:txBody>
+          <a:bodyPr wrap="square" rtlCol="0">
+            <a:spAutoFit/>
+          </a:bodyPr>
+          <a:p>
+            <a:r>
+              <a:rPr lang="en-US" altLang="zh-CN" sz="1400">
+                <a:latin typeface="Courier New" panose="02070309020205020404" charset="0"/>
+                <a:cs typeface="Courier New" panose="02070309020205020404" charset="0"/>
+              </a:rPr>
+              <a:t>void</a:t>
+            </a:r>
+            <a:r>
+              <a:rPr lang="" altLang="en-US" sz="1400">
+                <a:latin typeface="Courier New" panose="02070309020205020404" charset="0"/>
+                <a:cs typeface="Courier New" panose="02070309020205020404" charset="0"/>
+              </a:rPr>
+              <a:t> psignal(int signo, const char *msg); </a:t>
+            </a:r>
+            <a:endParaRPr lang="" altLang="en-US" sz="1400">
+              <a:latin typeface="Courier New" panose="02070309020205020404" charset="0"/>
+              <a:cs typeface="Courier New" panose="02070309020205020404" charset="0"/>
+            </a:endParaRPr>
+          </a:p>
+          <a:p>
+            <a:r>
+              <a:rPr lang="" altLang="en-US" sz="1400">
+                <a:latin typeface="Courier New" panose="02070309020205020404" charset="0"/>
+                <a:cs typeface="Courier New" panose="02070309020205020404" charset="0"/>
+              </a:rPr>
+              <a:t>	</a:t>
+            </a:r>
+            <a:r>
+              <a:rPr lang="zh-CN" altLang="" sz="1400">
+                <a:latin typeface="Courier New" panose="02070309020205020404" charset="0"/>
+                <a:cs typeface="Courier New" panose="02070309020205020404" charset="0"/>
+              </a:rPr>
+              <a:t>类似于</a:t>
+            </a:r>
+            <a:r>
+              <a:rPr lang="" altLang="zh-CN" sz="1400">
+                <a:latin typeface="Courier New" panose="02070309020205020404" charset="0"/>
+                <a:cs typeface="Courier New" panose="02070309020205020404" charset="0"/>
+              </a:rPr>
+              <a:t>perror, </a:t>
+            </a:r>
+            <a:r>
+              <a:rPr lang="zh-CN" altLang="" sz="1400">
+                <a:latin typeface="Courier New" panose="02070309020205020404" charset="0"/>
+                <a:cs typeface="Courier New" panose="02070309020205020404" charset="0"/>
+              </a:rPr>
+              <a:t>以</a:t>
+            </a:r>
+            <a:r>
+              <a:rPr lang="en-US" altLang="zh-CN" sz="1400">
+                <a:latin typeface="Courier New" panose="02070309020205020404" charset="0"/>
+                <a:cs typeface="Courier New" panose="02070309020205020404" charset="0"/>
+              </a:rPr>
+              <a:t> </a:t>
+            </a:r>
+            <a:r>
+              <a:rPr lang="zh-CN" altLang="en-US" sz="1400">
+                <a:latin typeface="Courier New" panose="02070309020205020404" charset="0"/>
+                <a:cs typeface="Courier New" panose="02070309020205020404" charset="0"/>
+              </a:rPr>
+              <a:t>“</a:t>
+            </a:r>
+            <a:r>
+              <a:rPr lang="en-US" altLang="zh-CN" sz="1400">
+                <a:latin typeface="Courier New" panose="02070309020205020404" charset="0"/>
+                <a:cs typeface="Courier New" panose="02070309020205020404" charset="0"/>
+              </a:rPr>
+              <a:t>msg</a:t>
+            </a:r>
+            <a:r>
+              <a:rPr lang="" altLang="en-US" sz="1400">
+                <a:latin typeface="Courier New" panose="02070309020205020404" charset="0"/>
+                <a:cs typeface="Courier New" panose="02070309020205020404" charset="0"/>
+              </a:rPr>
+              <a:t>: </a:t>
+            </a:r>
+            <a:r>
+              <a:rPr lang="zh-CN" altLang="" sz="1400">
+                <a:latin typeface="Courier New" panose="02070309020205020404" charset="0"/>
+                <a:cs typeface="Courier New" panose="02070309020205020404" charset="0"/>
+              </a:rPr>
+              <a:t>信号说明</a:t>
+            </a:r>
+            <a:r>
+              <a:rPr lang="" altLang="zh-CN" sz="1400">
+                <a:latin typeface="Courier New" panose="02070309020205020404" charset="0"/>
+                <a:cs typeface="Courier New" panose="02070309020205020404" charset="0"/>
+              </a:rPr>
+              <a:t>\n</a:t>
+            </a:r>
+            <a:r>
+              <a:rPr lang="zh-CN" altLang="" sz="1400">
+                <a:latin typeface="Courier New" panose="02070309020205020404" charset="0"/>
+                <a:cs typeface="Courier New" panose="02070309020205020404" charset="0"/>
+              </a:rPr>
+              <a:t>”的格式输出到标准错误流</a:t>
+            </a:r>
+            <a:endParaRPr lang="zh-CN" altLang="" sz="1400">
+              <a:latin typeface="Courier New" panose="02070309020205020404" charset="0"/>
+              <a:cs typeface="Courier New" panose="02070309020205020404" charset="0"/>
+            </a:endParaRPr>
+          </a:p>
+          <a:p>
+            <a:endParaRPr lang="zh-CN" altLang="" sz="1400">
+              <a:latin typeface="Courier New" panose="02070309020205020404" charset="0"/>
+              <a:cs typeface="Courier New" panose="02070309020205020404" charset="0"/>
+            </a:endParaRPr>
+          </a:p>
+          <a:p>
+            <a:endParaRPr lang="zh-CN" altLang="" sz="1400">
+              <a:latin typeface="Courier New" panose="02070309020205020404" charset="0"/>
+              <a:cs typeface="Courier New" panose="02070309020205020404" charset="0"/>
+            </a:endParaRPr>
+          </a:p>
+          <a:p>
+            <a:r>
+              <a:rPr lang="en-US" altLang="zh-CN" sz="1400">
+                <a:latin typeface="Courier New" panose="02070309020205020404" charset="0"/>
+                <a:cs typeface="Courier New" panose="02070309020205020404" charset="0"/>
+              </a:rPr>
+              <a:t>void</a:t>
+            </a:r>
+            <a:r>
+              <a:rPr lang="" altLang="en-US" sz="1400">
+                <a:latin typeface="Courier New" panose="02070309020205020404" charset="0"/>
+                <a:cs typeface="Courier New" panose="02070309020205020404" charset="0"/>
+              </a:rPr>
+              <a:t> psiginfo(const siginfo_t *info, const char *msg); //</a:t>
+            </a:r>
+            <a:r>
+              <a:rPr lang="zh-CN" altLang="" sz="1400">
+                <a:latin typeface="Courier New" panose="02070309020205020404" charset="0"/>
+                <a:cs typeface="Courier New" panose="02070309020205020404" charset="0"/>
+              </a:rPr>
+              <a:t>输出到标砖错误流，</a:t>
+            </a:r>
+            <a:r>
+              <a:rPr lang="en-US" altLang="zh-CN" sz="1400">
+                <a:latin typeface="Courier New" panose="02070309020205020404" charset="0"/>
+                <a:cs typeface="Courier New" panose="02070309020205020404" charset="0"/>
+              </a:rPr>
+              <a:t> </a:t>
+            </a:r>
+            <a:r>
+              <a:rPr lang="zh-CN" altLang="en-US" sz="1400">
+                <a:latin typeface="Courier New" panose="02070309020205020404" charset="0"/>
+                <a:cs typeface="Courier New" panose="02070309020205020404" charset="0"/>
+              </a:rPr>
+              <a:t>详细信息</a:t>
+            </a:r>
+            <a:endParaRPr lang="zh-CN" altLang="en-US" sz="1400">
+              <a:latin typeface="Courier New" panose="02070309020205020404" charset="0"/>
+              <a:cs typeface="Courier New" panose="02070309020205020404" charset="0"/>
+            </a:endParaRPr>
+          </a:p>
+          <a:p>
+            <a:endParaRPr lang="zh-CN" altLang="en-US" sz="1400">
+              <a:latin typeface="Courier New" panose="02070309020205020404" charset="0"/>
+              <a:cs typeface="Courier New" panose="02070309020205020404" charset="0"/>
+            </a:endParaRPr>
+          </a:p>
+          <a:p>
+            <a:endParaRPr lang="zh-CN" altLang="en-US" sz="1400">
+              <a:latin typeface="Courier New" panose="02070309020205020404" charset="0"/>
+              <a:cs typeface="Courier New" panose="02070309020205020404" charset="0"/>
+            </a:endParaRPr>
+          </a:p>
+          <a:p>
+            <a:r>
+              <a:rPr lang="en-US" altLang="zh-CN" sz="1400">
+                <a:latin typeface="Courier New" panose="02070309020205020404" charset="0"/>
+                <a:cs typeface="Courier New" panose="02070309020205020404" charset="0"/>
+              </a:rPr>
+              <a:t>char</a:t>
+            </a:r>
+            <a:r>
+              <a:rPr lang="" altLang="en-US" sz="1400">
+                <a:latin typeface="Courier New" panose="02070309020205020404" charset="0"/>
+                <a:cs typeface="Courier New" panose="02070309020205020404" charset="0"/>
+              </a:rPr>
+              <a:t> *strsignal(int signo); //</a:t>
+            </a:r>
+            <a:r>
+              <a:rPr lang="zh-CN" altLang="" sz="1400">
+                <a:latin typeface="Courier New" panose="02070309020205020404" charset="0"/>
+                <a:cs typeface="Courier New" panose="02070309020205020404" charset="0"/>
+              </a:rPr>
+              <a:t>返回指向该信号的字符串的指针</a:t>
+            </a:r>
+            <a:endParaRPr lang="zh-CN" altLang="" sz="1400">
+              <a:latin typeface="Courier New" panose="02070309020205020404" charset="0"/>
+              <a:cs typeface="Courier New" panose="02070309020205020404" charset="0"/>
+            </a:endParaRPr>
+          </a:p>
+          <a:p>
+            <a:endParaRPr lang="zh-CN" altLang="" sz="1400">
+              <a:latin typeface="Courier New" panose="02070309020205020404" charset="0"/>
+              <a:cs typeface="Courier New" panose="02070309020205020404" charset="0"/>
+            </a:endParaRPr>
+          </a:p>
+          <a:p>
+            <a:endParaRPr lang="zh-CN" altLang="" sz="1400">
+              <a:latin typeface="Courier New" panose="02070309020205020404" charset="0"/>
+              <a:cs typeface="Courier New" panose="02070309020205020404" charset="0"/>
+            </a:endParaRPr>
+          </a:p>
+        </p:txBody>
+      </p:sp>
     </p:spTree>
   </p:cSld>
   <p:clrMapOvr>
